--- a/first-steps-power-automate.pptx
+++ b/first-steps-power-automate.pptx
@@ -5,37 +5,27 @@
     <p:sldMasterId id="2147483648" r:id="rId1"/>
   </p:sldMasterIdLst>
   <p:notesMasterIdLst>
-    <p:notesMasterId r:id="rId20"/>
+    <p:notesMasterId r:id="rId10"/>
   </p:notesMasterIdLst>
   <p:sldIdLst>
     <p:sldId id="256" r:id="rId2"/>
     <p:sldId id="425" r:id="rId3"/>
     <p:sldId id="426" r:id="rId4"/>
-    <p:sldId id="434" r:id="rId5"/>
-    <p:sldId id="404" r:id="rId6"/>
-    <p:sldId id="407" r:id="rId7"/>
-    <p:sldId id="428" r:id="rId8"/>
-    <p:sldId id="415" r:id="rId9"/>
-    <p:sldId id="405" r:id="rId10"/>
-    <p:sldId id="429" r:id="rId11"/>
-    <p:sldId id="431" r:id="rId12"/>
-    <p:sldId id="432" r:id="rId13"/>
-    <p:sldId id="433" r:id="rId14"/>
-    <p:sldId id="414" r:id="rId15"/>
-    <p:sldId id="421" r:id="rId16"/>
-    <p:sldId id="422" r:id="rId17"/>
-    <p:sldId id="423" r:id="rId18"/>
-    <p:sldId id="427" r:id="rId19"/>
+    <p:sldId id="407" r:id="rId5"/>
+    <p:sldId id="428" r:id="rId6"/>
+    <p:sldId id="434" r:id="rId7"/>
+    <p:sldId id="415" r:id="rId8"/>
+    <p:sldId id="427" r:id="rId9"/>
   </p:sldIdLst>
   <p:sldSz cx="18288000" cy="10287000"/>
   <p:notesSz cx="6858000" cy="9144000"/>
   <p:embeddedFontLst>
     <p:embeddedFont>
       <p:font typeface="Consolas" panose="020B0609020204030204" pitchFamily="49" charset="0"/>
-      <p:regular r:id="rId21"/>
-      <p:bold r:id="rId22"/>
-      <p:italic r:id="rId23"/>
-      <p:boldItalic r:id="rId24"/>
+      <p:regular r:id="rId11"/>
+      <p:bold r:id="rId12"/>
+      <p:italic r:id="rId13"/>
+      <p:boldItalic r:id="rId14"/>
     </p:embeddedFont>
   </p:embeddedFontLst>
   <p:defaultTextStyle>
@@ -252,7 +242,7 @@
           <a:p>
             <a:fld id="{17A98A70-FA8C-4354-959C-C70678AC9BCF}" type="datetimeFigureOut">
               <a:rPr lang="en-US" smtClean="0"/>
-              <a:t>9/27/2024</a:t>
+              <a:t>10/18/2024</a:t>
             </a:fld>
             <a:endParaRPr lang="en-US"/>
           </a:p>
@@ -608,7 +598,7 @@
           <a:p>
             <a:fld id="{1300335D-9F13-4B80-ADC5-B0EA3E10FF6B}" type="slidenum">
               <a:rPr lang="en-US" smtClean="0"/>
-              <a:t>6</a:t>
+              <a:t>4</a:t>
             </a:fld>
             <a:endParaRPr lang="en-US"/>
           </a:p>
@@ -716,7 +706,7 @@
           <a:p>
             <a:fld id="{1300335D-9F13-4B80-ADC5-B0EA3E10FF6B}" type="slidenum">
               <a:rPr lang="en-US" smtClean="0"/>
-              <a:t>7</a:t>
+              <a:t>5</a:t>
             </a:fld>
             <a:endParaRPr lang="en-US"/>
           </a:p>
@@ -740,442 +730,10 @@
   <p:cSld>
     <p:spTree>
       <p:nvGrpSpPr>
-        <p:cNvPr id="1" name=""/>
-        <p:cNvGrpSpPr/>
-        <p:nvPr/>
-      </p:nvGrpSpPr>
-      <p:grpSpPr>
-        <a:xfrm>
-          <a:off x="0" y="0"/>
-          <a:ext cx="0" cy="0"/>
-          <a:chOff x="0" y="0"/>
-          <a:chExt cx="0" cy="0"/>
-        </a:xfrm>
-      </p:grpSpPr>
-      <p:sp>
-        <p:nvSpPr>
-          <p:cNvPr id="2" name="Slide Image Placeholder 1"/>
-          <p:cNvSpPr>
-            <a:spLocks noGrp="1" noRot="1" noChangeAspect="1"/>
-          </p:cNvSpPr>
-          <p:nvPr>
-            <p:ph type="sldImg"/>
-          </p:nvPr>
-        </p:nvSpPr>
-        <p:spPr/>
-      </p:sp>
-      <p:sp>
-        <p:nvSpPr>
-          <p:cNvPr id="3" name="Notes Placeholder 2"/>
-          <p:cNvSpPr>
-            <a:spLocks noGrp="1"/>
-          </p:cNvSpPr>
-          <p:nvPr>
-            <p:ph type="body" idx="1"/>
-          </p:nvPr>
-        </p:nvSpPr>
-        <p:spPr/>
-        <p:txBody>
-          <a:bodyPr/>
-          <a:lstStyle/>
-          <a:p>
-            <a:pPr marL="228600" indent="-228600">
-              <a:buAutoNum type="arabicPeriod"/>
-            </a:pPr>
-            <a:r>
-              <a:rPr lang="en-US" dirty="0"/>
-              <a:t>False!</a:t>
-            </a:r>
-          </a:p>
-          <a:p>
-            <a:pPr marL="228600" indent="-228600">
-              <a:buAutoNum type="arabicPeriod"/>
-            </a:pPr>
-            <a:r>
-              <a:rPr lang="en-US" dirty="0"/>
-              <a:t>Function, Formula, Function</a:t>
-            </a:r>
-          </a:p>
-          <a:p>
-            <a:pPr marL="228600" indent="-228600">
-              <a:buAutoNum type="arabicPeriod"/>
-            </a:pPr>
-            <a:r>
-              <a:rPr lang="en-US" dirty="0"/>
-              <a:t>Argument</a:t>
-            </a:r>
-          </a:p>
-        </p:txBody>
-      </p:sp>
-      <p:sp>
-        <p:nvSpPr>
-          <p:cNvPr id="4" name="Slide Number Placeholder 3"/>
-          <p:cNvSpPr>
-            <a:spLocks noGrp="1"/>
-          </p:cNvSpPr>
-          <p:nvPr>
-            <p:ph type="sldNum" sz="quarter" idx="5"/>
-          </p:nvPr>
-        </p:nvSpPr>
-        <p:spPr/>
-        <p:txBody>
-          <a:bodyPr/>
-          <a:lstStyle/>
-          <a:p>
-            <a:fld id="{1300335D-9F13-4B80-ADC5-B0EA3E10FF6B}" type="slidenum">
-              <a:rPr lang="en-US" smtClean="0"/>
-              <a:t>10</a:t>
-            </a:fld>
-            <a:endParaRPr lang="en-US"/>
-          </a:p>
-        </p:txBody>
-      </p:sp>
-    </p:spTree>
-    <p:extLst>
-      <p:ext uri="{BB962C8B-B14F-4D97-AF65-F5344CB8AC3E}">
-        <p14:creationId xmlns:p14="http://schemas.microsoft.com/office/powerpoint/2010/main" val="2863382030"/>
-      </p:ext>
-    </p:extLst>
-  </p:cSld>
-  <p:clrMapOvr>
-    <a:masterClrMapping/>
-  </p:clrMapOvr>
-</p:notes>
-</file>
-
-<file path=ppt/notesSlides/notesSlide4.xml><?xml version="1.0" encoding="utf-8"?>
-<p:notes xmlns:a="http://schemas.openxmlformats.org/drawingml/2006/main" xmlns:r="http://schemas.openxmlformats.org/officeDocument/2006/relationships" xmlns:p="http://schemas.openxmlformats.org/presentationml/2006/main">
-  <p:cSld>
-    <p:spTree>
-      <p:nvGrpSpPr>
-        <p:cNvPr id="1" name=""/>
-        <p:cNvGrpSpPr/>
-        <p:nvPr/>
-      </p:nvGrpSpPr>
-      <p:grpSpPr>
-        <a:xfrm>
-          <a:off x="0" y="0"/>
-          <a:ext cx="0" cy="0"/>
-          <a:chOff x="0" y="0"/>
-          <a:chExt cx="0" cy="0"/>
-        </a:xfrm>
-      </p:grpSpPr>
-      <p:sp>
-        <p:nvSpPr>
-          <p:cNvPr id="2" name="Slide Image Placeholder 1"/>
-          <p:cNvSpPr>
-            <a:spLocks noGrp="1" noRot="1" noChangeAspect="1"/>
-          </p:cNvSpPr>
-          <p:nvPr>
-            <p:ph type="sldImg"/>
-          </p:nvPr>
-        </p:nvSpPr>
-        <p:spPr/>
-      </p:sp>
-      <p:sp>
-        <p:nvSpPr>
-          <p:cNvPr id="3" name="Notes Placeholder 2"/>
-          <p:cNvSpPr>
-            <a:spLocks noGrp="1"/>
-          </p:cNvSpPr>
-          <p:nvPr>
-            <p:ph type="body" idx="1"/>
-          </p:nvPr>
-        </p:nvSpPr>
-        <p:spPr/>
-        <p:txBody>
-          <a:bodyPr/>
-          <a:lstStyle/>
-          <a:p>
-            <a:pPr marL="228600" indent="-228600">
-              <a:buAutoNum type="arabicPeriod"/>
-            </a:pPr>
-            <a:r>
-              <a:rPr lang="en-US" dirty="0"/>
-              <a:t>False!</a:t>
-            </a:r>
-          </a:p>
-          <a:p>
-            <a:pPr marL="228600" indent="-228600">
-              <a:buAutoNum type="arabicPeriod"/>
-            </a:pPr>
-            <a:r>
-              <a:rPr lang="en-US" dirty="0"/>
-              <a:t>Function, Formula, Function</a:t>
-            </a:r>
-          </a:p>
-          <a:p>
-            <a:pPr marL="228600" indent="-228600">
-              <a:buAutoNum type="arabicPeriod"/>
-            </a:pPr>
-            <a:r>
-              <a:rPr lang="en-US" dirty="0"/>
-              <a:t>Argument</a:t>
-            </a:r>
-          </a:p>
-        </p:txBody>
-      </p:sp>
-      <p:sp>
-        <p:nvSpPr>
-          <p:cNvPr id="4" name="Slide Number Placeholder 3"/>
-          <p:cNvSpPr>
-            <a:spLocks noGrp="1"/>
-          </p:cNvSpPr>
-          <p:nvPr>
-            <p:ph type="sldNum" sz="quarter" idx="5"/>
-          </p:nvPr>
-        </p:nvSpPr>
-        <p:spPr/>
-        <p:txBody>
-          <a:bodyPr/>
-          <a:lstStyle/>
-          <a:p>
-            <a:fld id="{1300335D-9F13-4B80-ADC5-B0EA3E10FF6B}" type="slidenum">
-              <a:rPr lang="en-US" smtClean="0"/>
-              <a:t>11</a:t>
-            </a:fld>
-            <a:endParaRPr lang="en-US"/>
-          </a:p>
-        </p:txBody>
-      </p:sp>
-    </p:spTree>
-    <p:extLst>
-      <p:ext uri="{BB962C8B-B14F-4D97-AF65-F5344CB8AC3E}">
-        <p14:creationId xmlns:p14="http://schemas.microsoft.com/office/powerpoint/2010/main" val="3129423429"/>
-      </p:ext>
-    </p:extLst>
-  </p:cSld>
-  <p:clrMapOvr>
-    <a:masterClrMapping/>
-  </p:clrMapOvr>
-</p:notes>
-</file>
-
-<file path=ppt/notesSlides/notesSlide5.xml><?xml version="1.0" encoding="utf-8"?>
-<p:notes xmlns:a="http://schemas.openxmlformats.org/drawingml/2006/main" xmlns:r="http://schemas.openxmlformats.org/officeDocument/2006/relationships" xmlns:p="http://schemas.openxmlformats.org/presentationml/2006/main">
-  <p:cSld>
-    <p:spTree>
-      <p:nvGrpSpPr>
-        <p:cNvPr id="1" name=""/>
-        <p:cNvGrpSpPr/>
-        <p:nvPr/>
-      </p:nvGrpSpPr>
-      <p:grpSpPr>
-        <a:xfrm>
-          <a:off x="0" y="0"/>
-          <a:ext cx="0" cy="0"/>
-          <a:chOff x="0" y="0"/>
-          <a:chExt cx="0" cy="0"/>
-        </a:xfrm>
-      </p:grpSpPr>
-      <p:sp>
-        <p:nvSpPr>
-          <p:cNvPr id="2" name="Slide Image Placeholder 1"/>
-          <p:cNvSpPr>
-            <a:spLocks noGrp="1" noRot="1" noChangeAspect="1"/>
-          </p:cNvSpPr>
-          <p:nvPr>
-            <p:ph type="sldImg"/>
-          </p:nvPr>
-        </p:nvSpPr>
-        <p:spPr/>
-      </p:sp>
-      <p:sp>
-        <p:nvSpPr>
-          <p:cNvPr id="3" name="Notes Placeholder 2"/>
-          <p:cNvSpPr>
-            <a:spLocks noGrp="1"/>
-          </p:cNvSpPr>
-          <p:nvPr>
-            <p:ph type="body" idx="1"/>
-          </p:nvPr>
-        </p:nvSpPr>
-        <p:spPr/>
-        <p:txBody>
-          <a:bodyPr/>
-          <a:lstStyle/>
-          <a:p>
-            <a:pPr marL="228600" indent="-228600">
-              <a:buAutoNum type="arabicPeriod"/>
-            </a:pPr>
-            <a:r>
-              <a:rPr lang="en-US" dirty="0"/>
-              <a:t>False!</a:t>
-            </a:r>
-          </a:p>
-          <a:p>
-            <a:pPr marL="228600" indent="-228600">
-              <a:buAutoNum type="arabicPeriod"/>
-            </a:pPr>
-            <a:r>
-              <a:rPr lang="en-US" dirty="0"/>
-              <a:t>Function, Formula, Function</a:t>
-            </a:r>
-          </a:p>
-          <a:p>
-            <a:pPr marL="228600" indent="-228600">
-              <a:buAutoNum type="arabicPeriod"/>
-            </a:pPr>
-            <a:r>
-              <a:rPr lang="en-US" dirty="0"/>
-              <a:t>Argument</a:t>
-            </a:r>
-          </a:p>
-        </p:txBody>
-      </p:sp>
-      <p:sp>
-        <p:nvSpPr>
-          <p:cNvPr id="4" name="Slide Number Placeholder 3"/>
-          <p:cNvSpPr>
-            <a:spLocks noGrp="1"/>
-          </p:cNvSpPr>
-          <p:nvPr>
-            <p:ph type="sldNum" sz="quarter" idx="5"/>
-          </p:nvPr>
-        </p:nvSpPr>
-        <p:spPr/>
-        <p:txBody>
-          <a:bodyPr/>
-          <a:lstStyle/>
-          <a:p>
-            <a:fld id="{1300335D-9F13-4B80-ADC5-B0EA3E10FF6B}" type="slidenum">
-              <a:rPr lang="en-US" smtClean="0"/>
-              <a:t>12</a:t>
-            </a:fld>
-            <a:endParaRPr lang="en-US"/>
-          </a:p>
-        </p:txBody>
-      </p:sp>
-    </p:spTree>
-    <p:extLst>
-      <p:ext uri="{BB962C8B-B14F-4D97-AF65-F5344CB8AC3E}">
-        <p14:creationId xmlns:p14="http://schemas.microsoft.com/office/powerpoint/2010/main" val="517270335"/>
-      </p:ext>
-    </p:extLst>
-  </p:cSld>
-  <p:clrMapOvr>
-    <a:masterClrMapping/>
-  </p:clrMapOvr>
-</p:notes>
-</file>
-
-<file path=ppt/notesSlides/notesSlide6.xml><?xml version="1.0" encoding="utf-8"?>
-<p:notes xmlns:a="http://schemas.openxmlformats.org/drawingml/2006/main" xmlns:r="http://schemas.openxmlformats.org/officeDocument/2006/relationships" xmlns:p="http://schemas.openxmlformats.org/presentationml/2006/main">
-  <p:cSld>
-    <p:spTree>
-      <p:nvGrpSpPr>
-        <p:cNvPr id="1" name=""/>
-        <p:cNvGrpSpPr/>
-        <p:nvPr/>
-      </p:nvGrpSpPr>
-      <p:grpSpPr>
-        <a:xfrm>
-          <a:off x="0" y="0"/>
-          <a:ext cx="0" cy="0"/>
-          <a:chOff x="0" y="0"/>
-          <a:chExt cx="0" cy="0"/>
-        </a:xfrm>
-      </p:grpSpPr>
-      <p:sp>
-        <p:nvSpPr>
-          <p:cNvPr id="2" name="Slide Image Placeholder 1"/>
-          <p:cNvSpPr>
-            <a:spLocks noGrp="1" noRot="1" noChangeAspect="1"/>
-          </p:cNvSpPr>
-          <p:nvPr>
-            <p:ph type="sldImg"/>
-          </p:nvPr>
-        </p:nvSpPr>
-        <p:spPr/>
-      </p:sp>
-      <p:sp>
-        <p:nvSpPr>
-          <p:cNvPr id="3" name="Notes Placeholder 2"/>
-          <p:cNvSpPr>
-            <a:spLocks noGrp="1"/>
-          </p:cNvSpPr>
-          <p:nvPr>
-            <p:ph type="body" idx="1"/>
-          </p:nvPr>
-        </p:nvSpPr>
-        <p:spPr/>
-        <p:txBody>
-          <a:bodyPr/>
-          <a:lstStyle/>
-          <a:p>
-            <a:pPr marL="228600" indent="-228600">
-              <a:buAutoNum type="arabicPeriod"/>
-            </a:pPr>
-            <a:r>
-              <a:rPr lang="en-US" dirty="0"/>
-              <a:t>False!</a:t>
-            </a:r>
-          </a:p>
-          <a:p>
-            <a:pPr marL="228600" indent="-228600">
-              <a:buAutoNum type="arabicPeriod"/>
-            </a:pPr>
-            <a:r>
-              <a:rPr lang="en-US" dirty="0"/>
-              <a:t>Function, Formula, Function</a:t>
-            </a:r>
-          </a:p>
-          <a:p>
-            <a:pPr marL="228600" indent="-228600">
-              <a:buAutoNum type="arabicPeriod"/>
-            </a:pPr>
-            <a:r>
-              <a:rPr lang="en-US" dirty="0"/>
-              <a:t>Argument</a:t>
-            </a:r>
-          </a:p>
-        </p:txBody>
-      </p:sp>
-      <p:sp>
-        <p:nvSpPr>
-          <p:cNvPr id="4" name="Slide Number Placeholder 3"/>
-          <p:cNvSpPr>
-            <a:spLocks noGrp="1"/>
-          </p:cNvSpPr>
-          <p:nvPr>
-            <p:ph type="sldNum" sz="quarter" idx="5"/>
-          </p:nvPr>
-        </p:nvSpPr>
-        <p:spPr/>
-        <p:txBody>
-          <a:bodyPr/>
-          <a:lstStyle/>
-          <a:p>
-            <a:fld id="{1300335D-9F13-4B80-ADC5-B0EA3E10FF6B}" type="slidenum">
-              <a:rPr lang="en-US" smtClean="0"/>
-              <a:t>13</a:t>
-            </a:fld>
-            <a:endParaRPr lang="en-US"/>
-          </a:p>
-        </p:txBody>
-      </p:sp>
-    </p:spTree>
-    <p:extLst>
-      <p:ext uri="{BB962C8B-B14F-4D97-AF65-F5344CB8AC3E}">
-        <p14:creationId xmlns:p14="http://schemas.microsoft.com/office/powerpoint/2010/main" val="2884908176"/>
-      </p:ext>
-    </p:extLst>
-  </p:cSld>
-  <p:clrMapOvr>
-    <a:masterClrMapping/>
-  </p:clrMapOvr>
-</p:notes>
-</file>
-
-<file path=ppt/notesSlides/notesSlide7.xml><?xml version="1.0" encoding="utf-8"?>
-<p:notes xmlns:a="http://schemas.openxmlformats.org/drawingml/2006/main" xmlns:r="http://schemas.openxmlformats.org/officeDocument/2006/relationships" xmlns:p="http://schemas.openxmlformats.org/presentationml/2006/main">
-  <p:cSld>
-    <p:spTree>
-      <p:nvGrpSpPr>
         <p:cNvPr id="1" name="">
           <a:extLst>
             <a:ext uri="{FF2B5EF4-FFF2-40B4-BE49-F238E27FC236}">
-              <a16:creationId xmlns:a16="http://schemas.microsoft.com/office/drawing/2014/main" id="{C5EB07CB-F821-6FB4-504B-18E965356C12}"/>
+              <a16:creationId xmlns:a16="http://schemas.microsoft.com/office/drawing/2014/main" id="{4C7D5532-326F-4669-1CB2-DA7AFD783D1B}"/>
             </a:ext>
           </a:extLst>
         </p:cNvPr>
@@ -1195,7 +753,7 @@
           <p:cNvPr id="2" name="Slide Image Placeholder 1">
             <a:extLst>
               <a:ext uri="{FF2B5EF4-FFF2-40B4-BE49-F238E27FC236}">
-                <a16:creationId xmlns:a16="http://schemas.microsoft.com/office/drawing/2014/main" id="{897D5398-4244-A9DA-3ECC-2EF32CEB134C}"/>
+                <a16:creationId xmlns:a16="http://schemas.microsoft.com/office/drawing/2014/main" id="{F7F669E7-8D85-DEB6-7D4D-FA8E8268D141}"/>
               </a:ext>
             </a:extLst>
           </p:cNvPr>
@@ -1213,7 +771,7 @@
           <p:cNvPr id="3" name="Notes Placeholder 2">
             <a:extLst>
               <a:ext uri="{FF2B5EF4-FFF2-40B4-BE49-F238E27FC236}">
-                <a16:creationId xmlns:a16="http://schemas.microsoft.com/office/drawing/2014/main" id="{1E9B10CA-058E-BD6C-9BAE-E38604E28A20}"/>
+                <a16:creationId xmlns:a16="http://schemas.microsoft.com/office/drawing/2014/main" id="{261F375F-294F-03AB-52EE-36A85AF9FC2A}"/>
               </a:ext>
             </a:extLst>
           </p:cNvPr>
@@ -1262,7 +820,7 @@
           <p:cNvPr id="4" name="Slide Number Placeholder 3">
             <a:extLst>
               <a:ext uri="{FF2B5EF4-FFF2-40B4-BE49-F238E27FC236}">
-                <a16:creationId xmlns:a16="http://schemas.microsoft.com/office/drawing/2014/main" id="{802F1B72-8B6B-0B77-346D-7D3F89D3CCDC}"/>
+                <a16:creationId xmlns:a16="http://schemas.microsoft.com/office/drawing/2014/main" id="{9A17E0FB-DBB2-3D20-1323-ADC2F3DB14CF}"/>
               </a:ext>
             </a:extLst>
           </p:cNvPr>
@@ -1280,7 +838,7 @@
           <a:p>
             <a:fld id="{1300335D-9F13-4B80-ADC5-B0EA3E10FF6B}" type="slidenum">
               <a:rPr lang="en-US" smtClean="0"/>
-              <a:t>15</a:t>
+              <a:t>6</a:t>
             </a:fld>
             <a:endParaRPr lang="en-US"/>
           </a:p>
@@ -1289,271 +847,7 @@
     </p:spTree>
     <p:extLst>
       <p:ext uri="{BB962C8B-B14F-4D97-AF65-F5344CB8AC3E}">
-        <p14:creationId xmlns:p14="http://schemas.microsoft.com/office/powerpoint/2010/main" val="1487323375"/>
-      </p:ext>
-    </p:extLst>
-  </p:cSld>
-  <p:clrMapOvr>
-    <a:masterClrMapping/>
-  </p:clrMapOvr>
-</p:notes>
-</file>
-
-<file path=ppt/notesSlides/notesSlide8.xml><?xml version="1.0" encoding="utf-8"?>
-<p:notes xmlns:a="http://schemas.openxmlformats.org/drawingml/2006/main" xmlns:r="http://schemas.openxmlformats.org/officeDocument/2006/relationships" xmlns:p="http://schemas.openxmlformats.org/presentationml/2006/main">
-  <p:cSld>
-    <p:spTree>
-      <p:nvGrpSpPr>
-        <p:cNvPr id="1" name="">
-          <a:extLst>
-            <a:ext uri="{FF2B5EF4-FFF2-40B4-BE49-F238E27FC236}">
-              <a16:creationId xmlns:a16="http://schemas.microsoft.com/office/drawing/2014/main" id="{6EB2B178-9BF2-6FE4-71B1-D08940B7CF5A}"/>
-            </a:ext>
-          </a:extLst>
-        </p:cNvPr>
-        <p:cNvGrpSpPr/>
-        <p:nvPr/>
-      </p:nvGrpSpPr>
-      <p:grpSpPr>
-        <a:xfrm>
-          <a:off x="0" y="0"/>
-          <a:ext cx="0" cy="0"/>
-          <a:chOff x="0" y="0"/>
-          <a:chExt cx="0" cy="0"/>
-        </a:xfrm>
-      </p:grpSpPr>
-      <p:sp>
-        <p:nvSpPr>
-          <p:cNvPr id="2" name="Slide Image Placeholder 1">
-            <a:extLst>
-              <a:ext uri="{FF2B5EF4-FFF2-40B4-BE49-F238E27FC236}">
-                <a16:creationId xmlns:a16="http://schemas.microsoft.com/office/drawing/2014/main" id="{5CFBB5FA-2773-806B-FC2B-2E67A305699F}"/>
-              </a:ext>
-            </a:extLst>
-          </p:cNvPr>
-          <p:cNvSpPr>
-            <a:spLocks noGrp="1" noRot="1" noChangeAspect="1"/>
-          </p:cNvSpPr>
-          <p:nvPr>
-            <p:ph type="sldImg"/>
-          </p:nvPr>
-        </p:nvSpPr>
-        <p:spPr/>
-      </p:sp>
-      <p:sp>
-        <p:nvSpPr>
-          <p:cNvPr id="3" name="Notes Placeholder 2">
-            <a:extLst>
-              <a:ext uri="{FF2B5EF4-FFF2-40B4-BE49-F238E27FC236}">
-                <a16:creationId xmlns:a16="http://schemas.microsoft.com/office/drawing/2014/main" id="{BF5C56A1-DC22-AF0C-E72D-4D535DA7C58F}"/>
-              </a:ext>
-            </a:extLst>
-          </p:cNvPr>
-          <p:cNvSpPr>
-            <a:spLocks noGrp="1"/>
-          </p:cNvSpPr>
-          <p:nvPr>
-            <p:ph type="body" idx="1"/>
-          </p:nvPr>
-        </p:nvSpPr>
-        <p:spPr/>
-        <p:txBody>
-          <a:bodyPr/>
-          <a:lstStyle/>
-          <a:p>
-            <a:pPr marL="228600" indent="-228600">
-              <a:buAutoNum type="arabicPeriod"/>
-            </a:pPr>
-            <a:r>
-              <a:rPr lang="en-US" dirty="0"/>
-              <a:t>False!</a:t>
-            </a:r>
-          </a:p>
-          <a:p>
-            <a:pPr marL="228600" indent="-228600">
-              <a:buAutoNum type="arabicPeriod"/>
-            </a:pPr>
-            <a:r>
-              <a:rPr lang="en-US" dirty="0"/>
-              <a:t>Function, Formula, Function</a:t>
-            </a:r>
-          </a:p>
-          <a:p>
-            <a:pPr marL="228600" indent="-228600">
-              <a:buAutoNum type="arabicPeriod"/>
-            </a:pPr>
-            <a:r>
-              <a:rPr lang="en-US" dirty="0"/>
-              <a:t>Argument</a:t>
-            </a:r>
-          </a:p>
-        </p:txBody>
-      </p:sp>
-      <p:sp>
-        <p:nvSpPr>
-          <p:cNvPr id="4" name="Slide Number Placeholder 3">
-            <a:extLst>
-              <a:ext uri="{FF2B5EF4-FFF2-40B4-BE49-F238E27FC236}">
-                <a16:creationId xmlns:a16="http://schemas.microsoft.com/office/drawing/2014/main" id="{099270AD-6A83-895A-222F-13E01E65317F}"/>
-              </a:ext>
-            </a:extLst>
-          </p:cNvPr>
-          <p:cNvSpPr>
-            <a:spLocks noGrp="1"/>
-          </p:cNvSpPr>
-          <p:nvPr>
-            <p:ph type="sldNum" sz="quarter" idx="5"/>
-          </p:nvPr>
-        </p:nvSpPr>
-        <p:spPr/>
-        <p:txBody>
-          <a:bodyPr/>
-          <a:lstStyle/>
-          <a:p>
-            <a:fld id="{1300335D-9F13-4B80-ADC5-B0EA3E10FF6B}" type="slidenum">
-              <a:rPr lang="en-US" smtClean="0"/>
-              <a:t>16</a:t>
-            </a:fld>
-            <a:endParaRPr lang="en-US"/>
-          </a:p>
-        </p:txBody>
-      </p:sp>
-    </p:spTree>
-    <p:extLst>
-      <p:ext uri="{BB962C8B-B14F-4D97-AF65-F5344CB8AC3E}">
-        <p14:creationId xmlns:p14="http://schemas.microsoft.com/office/powerpoint/2010/main" val="1010347830"/>
-      </p:ext>
-    </p:extLst>
-  </p:cSld>
-  <p:clrMapOvr>
-    <a:masterClrMapping/>
-  </p:clrMapOvr>
-</p:notes>
-</file>
-
-<file path=ppt/notesSlides/notesSlide9.xml><?xml version="1.0" encoding="utf-8"?>
-<p:notes xmlns:a="http://schemas.openxmlformats.org/drawingml/2006/main" xmlns:r="http://schemas.openxmlformats.org/officeDocument/2006/relationships" xmlns:p="http://schemas.openxmlformats.org/presentationml/2006/main">
-  <p:cSld>
-    <p:spTree>
-      <p:nvGrpSpPr>
-        <p:cNvPr id="1" name="">
-          <a:extLst>
-            <a:ext uri="{FF2B5EF4-FFF2-40B4-BE49-F238E27FC236}">
-              <a16:creationId xmlns:a16="http://schemas.microsoft.com/office/drawing/2014/main" id="{0661BC68-0174-F8C0-C50A-CBF6F62B28EC}"/>
-            </a:ext>
-          </a:extLst>
-        </p:cNvPr>
-        <p:cNvGrpSpPr/>
-        <p:nvPr/>
-      </p:nvGrpSpPr>
-      <p:grpSpPr>
-        <a:xfrm>
-          <a:off x="0" y="0"/>
-          <a:ext cx="0" cy="0"/>
-          <a:chOff x="0" y="0"/>
-          <a:chExt cx="0" cy="0"/>
-        </a:xfrm>
-      </p:grpSpPr>
-      <p:sp>
-        <p:nvSpPr>
-          <p:cNvPr id="2" name="Slide Image Placeholder 1">
-            <a:extLst>
-              <a:ext uri="{FF2B5EF4-FFF2-40B4-BE49-F238E27FC236}">
-                <a16:creationId xmlns:a16="http://schemas.microsoft.com/office/drawing/2014/main" id="{146C854B-CF29-7BDD-94FD-114500FBA305}"/>
-              </a:ext>
-            </a:extLst>
-          </p:cNvPr>
-          <p:cNvSpPr>
-            <a:spLocks noGrp="1" noRot="1" noChangeAspect="1"/>
-          </p:cNvSpPr>
-          <p:nvPr>
-            <p:ph type="sldImg"/>
-          </p:nvPr>
-        </p:nvSpPr>
-        <p:spPr/>
-      </p:sp>
-      <p:sp>
-        <p:nvSpPr>
-          <p:cNvPr id="3" name="Notes Placeholder 2">
-            <a:extLst>
-              <a:ext uri="{FF2B5EF4-FFF2-40B4-BE49-F238E27FC236}">
-                <a16:creationId xmlns:a16="http://schemas.microsoft.com/office/drawing/2014/main" id="{2104F923-8149-669B-8A7E-EE096ABBBE6A}"/>
-              </a:ext>
-            </a:extLst>
-          </p:cNvPr>
-          <p:cNvSpPr>
-            <a:spLocks noGrp="1"/>
-          </p:cNvSpPr>
-          <p:nvPr>
-            <p:ph type="body" idx="1"/>
-          </p:nvPr>
-        </p:nvSpPr>
-        <p:spPr/>
-        <p:txBody>
-          <a:bodyPr/>
-          <a:lstStyle/>
-          <a:p>
-            <a:pPr marL="228600" indent="-228600">
-              <a:buAutoNum type="arabicPeriod"/>
-            </a:pPr>
-            <a:r>
-              <a:rPr lang="en-US" dirty="0"/>
-              <a:t>False!</a:t>
-            </a:r>
-          </a:p>
-          <a:p>
-            <a:pPr marL="228600" indent="-228600">
-              <a:buAutoNum type="arabicPeriod"/>
-            </a:pPr>
-            <a:r>
-              <a:rPr lang="en-US" dirty="0"/>
-              <a:t>Function, Formula, Function</a:t>
-            </a:r>
-          </a:p>
-          <a:p>
-            <a:pPr marL="228600" indent="-228600">
-              <a:buAutoNum type="arabicPeriod"/>
-            </a:pPr>
-            <a:r>
-              <a:rPr lang="en-US" dirty="0"/>
-              <a:t>Argument</a:t>
-            </a:r>
-          </a:p>
-        </p:txBody>
-      </p:sp>
-      <p:sp>
-        <p:nvSpPr>
-          <p:cNvPr id="4" name="Slide Number Placeholder 3">
-            <a:extLst>
-              <a:ext uri="{FF2B5EF4-FFF2-40B4-BE49-F238E27FC236}">
-                <a16:creationId xmlns:a16="http://schemas.microsoft.com/office/drawing/2014/main" id="{B3DA4164-01C7-E08C-3915-665021C9829F}"/>
-              </a:ext>
-            </a:extLst>
-          </p:cNvPr>
-          <p:cNvSpPr>
-            <a:spLocks noGrp="1"/>
-          </p:cNvSpPr>
-          <p:nvPr>
-            <p:ph type="sldNum" sz="quarter" idx="5"/>
-          </p:nvPr>
-        </p:nvSpPr>
-        <p:spPr/>
-        <p:txBody>
-          <a:bodyPr/>
-          <a:lstStyle/>
-          <a:p>
-            <a:fld id="{1300335D-9F13-4B80-ADC5-B0EA3E10FF6B}" type="slidenum">
-              <a:rPr lang="en-US" smtClean="0"/>
-              <a:t>17</a:t>
-            </a:fld>
-            <a:endParaRPr lang="en-US"/>
-          </a:p>
-        </p:txBody>
-      </p:sp>
-    </p:spTree>
-    <p:extLst>
-      <p:ext uri="{BB962C8B-B14F-4D97-AF65-F5344CB8AC3E}">
-        <p14:creationId xmlns:p14="http://schemas.microsoft.com/office/powerpoint/2010/main" val="3922983878"/>
+        <p14:creationId xmlns:p14="http://schemas.microsoft.com/office/powerpoint/2010/main" val="917505817"/>
       </p:ext>
     </p:extLst>
   </p:cSld>
@@ -1743,7 +1037,7 @@
             <a:fld id="{1D8BD707-D9CF-40AE-B4C6-C98DA3205C09}" type="datetimeFigureOut">
               <a:rPr lang="en-US" smtClean="0"/>
               <a:pPr/>
-              <a:t>9/27/2024</a:t>
+              <a:t>10/18/2024</a:t>
             </a:fld>
             <a:endParaRPr lang="en-US"/>
           </a:p>
@@ -1908,7 +1202,7 @@
             <a:fld id="{1D8BD707-D9CF-40AE-B4C6-C98DA3205C09}" type="datetimeFigureOut">
               <a:rPr lang="en-US" smtClean="0"/>
               <a:pPr/>
-              <a:t>9/27/2024</a:t>
+              <a:t>10/18/2024</a:t>
             </a:fld>
             <a:endParaRPr lang="en-US"/>
           </a:p>
@@ -2083,7 +1377,7 @@
             <a:fld id="{1D8BD707-D9CF-40AE-B4C6-C98DA3205C09}" type="datetimeFigureOut">
               <a:rPr lang="en-US" smtClean="0"/>
               <a:pPr/>
-              <a:t>9/27/2024</a:t>
+              <a:t>10/18/2024</a:t>
             </a:fld>
             <a:endParaRPr lang="en-US"/>
           </a:p>
@@ -2248,7 +1542,7 @@
             <a:fld id="{1D8BD707-D9CF-40AE-B4C6-C98DA3205C09}" type="datetimeFigureOut">
               <a:rPr lang="en-US" smtClean="0"/>
               <a:pPr/>
-              <a:t>9/27/2024</a:t>
+              <a:t>10/18/2024</a:t>
             </a:fld>
             <a:endParaRPr lang="en-US"/>
           </a:p>
@@ -2490,7 +1784,7 @@
             <a:fld id="{1D8BD707-D9CF-40AE-B4C6-C98DA3205C09}" type="datetimeFigureOut">
               <a:rPr lang="en-US" smtClean="0"/>
               <a:pPr/>
-              <a:t>9/27/2024</a:t>
+              <a:t>10/18/2024</a:t>
             </a:fld>
             <a:endParaRPr lang="en-US"/>
           </a:p>
@@ -2772,7 +2066,7 @@
             <a:fld id="{1D8BD707-D9CF-40AE-B4C6-C98DA3205C09}" type="datetimeFigureOut">
               <a:rPr lang="en-US" smtClean="0"/>
               <a:pPr/>
-              <a:t>9/27/2024</a:t>
+              <a:t>10/18/2024</a:t>
             </a:fld>
             <a:endParaRPr lang="en-US"/>
           </a:p>
@@ -3188,7 +2482,7 @@
             <a:fld id="{1D8BD707-D9CF-40AE-B4C6-C98DA3205C09}" type="datetimeFigureOut">
               <a:rPr lang="en-US" smtClean="0"/>
               <a:pPr/>
-              <a:t>9/27/2024</a:t>
+              <a:t>10/18/2024</a:t>
             </a:fld>
             <a:endParaRPr lang="en-US"/>
           </a:p>
@@ -3302,7 +2596,7 @@
             <a:fld id="{1D8BD707-D9CF-40AE-B4C6-C98DA3205C09}" type="datetimeFigureOut">
               <a:rPr lang="en-US" smtClean="0"/>
               <a:pPr/>
-              <a:t>9/27/2024</a:t>
+              <a:t>10/18/2024</a:t>
             </a:fld>
             <a:endParaRPr lang="en-US"/>
           </a:p>
@@ -3394,7 +2688,7 @@
             <a:fld id="{1D8BD707-D9CF-40AE-B4C6-C98DA3205C09}" type="datetimeFigureOut">
               <a:rPr lang="en-US" smtClean="0"/>
               <a:pPr/>
-              <a:t>9/27/2024</a:t>
+              <a:t>10/18/2024</a:t>
             </a:fld>
             <a:endParaRPr lang="en-US"/>
           </a:p>
@@ -3666,7 +2960,7 @@
             <a:fld id="{1D8BD707-D9CF-40AE-B4C6-C98DA3205C09}" type="datetimeFigureOut">
               <a:rPr lang="en-US" smtClean="0"/>
               <a:pPr/>
-              <a:t>9/27/2024</a:t>
+              <a:t>10/18/2024</a:t>
             </a:fld>
             <a:endParaRPr lang="en-US"/>
           </a:p>
@@ -3915,7 +3209,7 @@
             <a:fld id="{1D8BD707-D9CF-40AE-B4C6-C98DA3205C09}" type="datetimeFigureOut">
               <a:rPr lang="en-US" smtClean="0"/>
               <a:pPr/>
-              <a:t>9/27/2024</a:t>
+              <a:t>10/18/2024</a:t>
             </a:fld>
             <a:endParaRPr lang="en-US"/>
           </a:p>
@@ -4128,7 +3422,7 @@
             <a:fld id="{1D8BD707-D9CF-40AE-B4C6-C98DA3205C09}" type="datetimeFigureOut">
               <a:rPr lang="en-US" smtClean="0"/>
               <a:pPr/>
-              <a:t>9/27/2024</a:t>
+              <a:t>10/18/2024</a:t>
             </a:fld>
             <a:endParaRPr lang="en-US"/>
           </a:p>
@@ -4587,7 +3881,7 @@
                 </a:solidFill>
                 <a:latin typeface="Pragmatica" panose="020B0403040502020204" pitchFamily="34" charset="0"/>
               </a:rPr>
-              <a:t>First Steps with Power Automate for Excel</a:t>
+              <a:t>First steps with Power Automate for Excel users</a:t>
             </a:r>
           </a:p>
         </p:txBody>
@@ -4641,2013 +3935,6 @@
     <p:extLst>
       <p:ext uri="{BB962C8B-B14F-4D97-AF65-F5344CB8AC3E}">
         <p14:creationId xmlns:p14="http://schemas.microsoft.com/office/powerpoint/2010/main" val="355659117"/>
-      </p:ext>
-    </p:extLst>
-  </p:cSld>
-  <p:clrMapOvr>
-    <a:masterClrMapping/>
-  </p:clrMapOvr>
-</p:sld>
-</file>
-
-<file path=ppt/slides/slide10.xml><?xml version="1.0" encoding="utf-8"?>
-<p:sld xmlns:a="http://schemas.openxmlformats.org/drawingml/2006/main" xmlns:r="http://schemas.openxmlformats.org/officeDocument/2006/relationships" xmlns:p="http://schemas.openxmlformats.org/presentationml/2006/main">
-  <p:cSld>
-    <p:spTree>
-      <p:nvGrpSpPr>
-        <p:cNvPr id="1" name=""/>
-        <p:cNvGrpSpPr/>
-        <p:nvPr/>
-      </p:nvGrpSpPr>
-      <p:grpSpPr>
-        <a:xfrm>
-          <a:off x="0" y="0"/>
-          <a:ext cx="0" cy="0"/>
-          <a:chOff x="0" y="0"/>
-          <a:chExt cx="0" cy="0"/>
-        </a:xfrm>
-      </p:grpSpPr>
-      <p:sp>
-        <p:nvSpPr>
-          <p:cNvPr id="4" name="Rectangle 3"/>
-          <p:cNvSpPr/>
-          <p:nvPr/>
-        </p:nvSpPr>
-        <p:spPr>
-          <a:xfrm>
-            <a:off x="9861630" y="0"/>
-            <a:ext cx="8426370" cy="10287000"/>
-          </a:xfrm>
-          <a:prstGeom prst="rect">
-            <a:avLst/>
-          </a:prstGeom>
-          <a:solidFill>
-            <a:srgbClr val="CF3338"/>
-          </a:solidFill>
-          <a:ln>
-            <a:noFill/>
-          </a:ln>
-        </p:spPr>
-        <p:style>
-          <a:lnRef idx="2">
-            <a:schemeClr val="accent1">
-              <a:shade val="50000"/>
-            </a:schemeClr>
-          </a:lnRef>
-          <a:fillRef idx="1">
-            <a:schemeClr val="accent1"/>
-          </a:fillRef>
-          <a:effectRef idx="0">
-            <a:schemeClr val="accent1"/>
-          </a:effectRef>
-          <a:fontRef idx="minor">
-            <a:schemeClr val="lt1"/>
-          </a:fontRef>
-        </p:style>
-        <p:txBody>
-          <a:bodyPr rtlCol="0" anchor="ctr"/>
-          <a:lstStyle/>
-          <a:p>
-            <a:pPr algn="ctr"/>
-            <a:endParaRPr lang="en-US" sz="2700"/>
-          </a:p>
-        </p:txBody>
-      </p:sp>
-      <p:pic>
-        <p:nvPicPr>
-          <p:cNvPr id="2" name="Picture 1"/>
-          <p:cNvPicPr>
-            <a:picLocks noChangeAspect="1"/>
-          </p:cNvPicPr>
-          <p:nvPr/>
-        </p:nvPicPr>
-        <p:blipFill rotWithShape="1">
-          <a:blip r:embed="rId3">
-            <a:extLst>
-              <a:ext uri="{28A0092B-C50C-407E-A947-70E740481C1C}">
-                <a14:useLocalDpi xmlns:a14="http://schemas.microsoft.com/office/drawing/2010/main" val="0"/>
-              </a:ext>
-            </a:extLst>
-          </a:blip>
-          <a:srcRect l="69227" t="33418" r="20112" b="50548"/>
-          <a:stretch/>
-        </p:blipFill>
-        <p:spPr>
-          <a:xfrm>
-            <a:off x="15579524" y="7544693"/>
-            <a:ext cx="2708477" cy="2987579"/>
-          </a:xfrm>
-          <a:prstGeom prst="rect">
-            <a:avLst/>
-          </a:prstGeom>
-        </p:spPr>
-      </p:pic>
-      <p:sp>
-        <p:nvSpPr>
-          <p:cNvPr id="3" name="TextBox 2"/>
-          <p:cNvSpPr txBox="1"/>
-          <p:nvPr/>
-        </p:nvSpPr>
-        <p:spPr>
-          <a:xfrm>
-            <a:off x="260431" y="329879"/>
-            <a:ext cx="8906720" cy="6621300"/>
-          </a:xfrm>
-          <a:prstGeom prst="rect">
-            <a:avLst/>
-          </a:prstGeom>
-          <a:noFill/>
-        </p:spPr>
-        <p:txBody>
-          <a:bodyPr wrap="square" rtlCol="0">
-            <a:spAutoFit/>
-          </a:bodyPr>
-          <a:lstStyle/>
-          <a:p>
-            <a:r>
-              <a:rPr lang="en-US" sz="6000" b="1" dirty="0">
-                <a:solidFill>
-                  <a:srgbClr val="CF3338"/>
-                </a:solidFill>
-                <a:latin typeface="Pragmatica" panose="020B0403040502020204" pitchFamily="34" charset="0"/>
-              </a:rPr>
-              <a:t>Monte Carlo simulation with Python in Excel</a:t>
-            </a:r>
-          </a:p>
-          <a:p>
-            <a:endParaRPr lang="en-US" sz="4200" dirty="0">
-              <a:solidFill>
-                <a:srgbClr val="CF3338"/>
-              </a:solidFill>
-              <a:latin typeface="Pragmatica" panose="020B0403040502020204" pitchFamily="34" charset="0"/>
-            </a:endParaRPr>
-          </a:p>
-          <a:p>
-            <a:pPr marL="685800" indent="-542925">
-              <a:lnSpc>
-                <a:spcPct val="115000"/>
-              </a:lnSpc>
-              <a:spcBef>
-                <a:spcPts val="1125"/>
-              </a:spcBef>
-              <a:buClr>
-                <a:srgbClr val="C00000"/>
-              </a:buClr>
-              <a:buSzPts val="2100"/>
-              <a:buFont typeface="Arial"/>
-              <a:buAutoNum type="arabicPeriod"/>
-            </a:pPr>
-            <a:r>
-              <a:rPr lang="en-US" sz="3600" dirty="0">
-                <a:solidFill>
-                  <a:srgbClr val="C00000"/>
-                </a:solidFill>
-                <a:latin typeface="Pragmatica" panose="020B0403040502020204"/>
-                <a:sym typeface="Consolas"/>
-              </a:rPr>
-              <a:t>Driving Python outputs with Python inputs</a:t>
-            </a:r>
-          </a:p>
-          <a:p>
-            <a:pPr marL="685800" indent="-542925">
-              <a:lnSpc>
-                <a:spcPct val="115000"/>
-              </a:lnSpc>
-              <a:spcBef>
-                <a:spcPts val="1125"/>
-              </a:spcBef>
-              <a:buClr>
-                <a:srgbClr val="C00000"/>
-              </a:buClr>
-              <a:buSzPts val="2100"/>
-              <a:buFont typeface="Arial"/>
-              <a:buAutoNum type="arabicPeriod"/>
-            </a:pPr>
-            <a:r>
-              <a:rPr lang="en-US" sz="3600" dirty="0">
-                <a:solidFill>
-                  <a:srgbClr val="C00000"/>
-                </a:solidFill>
-                <a:latin typeface="Pragmatica" panose="020B0403040502020204"/>
-                <a:sym typeface="Consolas"/>
-              </a:rPr>
-              <a:t>Creating simulations in Python</a:t>
-            </a:r>
-          </a:p>
-          <a:p>
-            <a:pPr marL="685800" indent="-542925">
-              <a:lnSpc>
-                <a:spcPct val="115000"/>
-              </a:lnSpc>
-              <a:spcBef>
-                <a:spcPts val="1125"/>
-              </a:spcBef>
-              <a:buClr>
-                <a:srgbClr val="C00000"/>
-              </a:buClr>
-              <a:buSzPts val="2100"/>
-              <a:buFont typeface="Arial"/>
-              <a:buAutoNum type="arabicPeriod"/>
-            </a:pPr>
-            <a:r>
-              <a:rPr lang="en-US" sz="3600" dirty="0">
-                <a:solidFill>
-                  <a:srgbClr val="C00000"/>
-                </a:solidFill>
-                <a:latin typeface="Pragmatica" panose="020B0403040502020204"/>
-                <a:sym typeface="Consolas"/>
-              </a:rPr>
-              <a:t>Visualizing the results</a:t>
-            </a:r>
-          </a:p>
-          <a:p>
-            <a:pPr marL="142875">
-              <a:lnSpc>
-                <a:spcPct val="115000"/>
-              </a:lnSpc>
-              <a:spcBef>
-                <a:spcPts val="1125"/>
-              </a:spcBef>
-              <a:buClr>
-                <a:srgbClr val="C00000"/>
-              </a:buClr>
-              <a:buSzPts val="2100"/>
-            </a:pPr>
-            <a:r>
-              <a:rPr lang="en-US" sz="3600" dirty="0">
-                <a:solidFill>
-                  <a:srgbClr val="C00000"/>
-                </a:solidFill>
-                <a:latin typeface="Pragmatica" panose="020B0403040502020204"/>
-                <a:sym typeface="Consolas"/>
-              </a:rPr>
-              <a:t>File: </a:t>
-            </a:r>
-            <a:r>
-              <a:rPr lang="en-US" sz="3600" dirty="0">
-                <a:solidFill>
-                  <a:srgbClr val="C00000"/>
-                </a:solidFill>
-                <a:latin typeface="Consolas" panose="020B0609020204030204" pitchFamily="49" charset="0"/>
-                <a:sym typeface="Consolas"/>
-              </a:rPr>
-              <a:t>monte-carlo-demos.xlsx</a:t>
-            </a:r>
-            <a:endParaRPr lang="en-US" sz="6000" dirty="0">
-              <a:solidFill>
-                <a:srgbClr val="CF3338"/>
-              </a:solidFill>
-              <a:latin typeface="Consolas" panose="020B0609020204030204" pitchFamily="49" charset="0"/>
-            </a:endParaRPr>
-          </a:p>
-          <a:p>
-            <a:endParaRPr lang="en-US" sz="6000" dirty="0">
-              <a:solidFill>
-                <a:srgbClr val="CF3338"/>
-              </a:solidFill>
-              <a:latin typeface="Pragmatica" panose="020B0403040502020204" pitchFamily="34" charset="0"/>
-            </a:endParaRPr>
-          </a:p>
-        </p:txBody>
-      </p:sp>
-    </p:spTree>
-    <p:extLst>
-      <p:ext uri="{BB962C8B-B14F-4D97-AF65-F5344CB8AC3E}">
-        <p14:creationId xmlns:p14="http://schemas.microsoft.com/office/powerpoint/2010/main" val="3590649370"/>
-      </p:ext>
-    </p:extLst>
-  </p:cSld>
-  <p:clrMapOvr>
-    <a:masterClrMapping/>
-  </p:clrMapOvr>
-</p:sld>
-</file>
-
-<file path=ppt/slides/slide11.xml><?xml version="1.0" encoding="utf-8"?>
-<p:sld xmlns:a="http://schemas.openxmlformats.org/drawingml/2006/main" xmlns:r="http://schemas.openxmlformats.org/officeDocument/2006/relationships" xmlns:p="http://schemas.openxmlformats.org/presentationml/2006/main">
-  <p:cSld>
-    <p:spTree>
-      <p:nvGrpSpPr>
-        <p:cNvPr id="1" name=""/>
-        <p:cNvGrpSpPr/>
-        <p:nvPr/>
-      </p:nvGrpSpPr>
-      <p:grpSpPr>
-        <a:xfrm>
-          <a:off x="0" y="0"/>
-          <a:ext cx="0" cy="0"/>
-          <a:chOff x="0" y="0"/>
-          <a:chExt cx="0" cy="0"/>
-        </a:xfrm>
-      </p:grpSpPr>
-      <p:sp>
-        <p:nvSpPr>
-          <p:cNvPr id="4" name="Rectangle 3"/>
-          <p:cNvSpPr/>
-          <p:nvPr/>
-        </p:nvSpPr>
-        <p:spPr>
-          <a:xfrm>
-            <a:off x="9861630" y="0"/>
-            <a:ext cx="8426370" cy="10287000"/>
-          </a:xfrm>
-          <a:prstGeom prst="rect">
-            <a:avLst/>
-          </a:prstGeom>
-          <a:solidFill>
-            <a:srgbClr val="CF3338"/>
-          </a:solidFill>
-          <a:ln>
-            <a:noFill/>
-          </a:ln>
-        </p:spPr>
-        <p:style>
-          <a:lnRef idx="2">
-            <a:schemeClr val="accent1">
-              <a:shade val="50000"/>
-            </a:schemeClr>
-          </a:lnRef>
-          <a:fillRef idx="1">
-            <a:schemeClr val="accent1"/>
-          </a:fillRef>
-          <a:effectRef idx="0">
-            <a:schemeClr val="accent1"/>
-          </a:effectRef>
-          <a:fontRef idx="minor">
-            <a:schemeClr val="lt1"/>
-          </a:fontRef>
-        </p:style>
-        <p:txBody>
-          <a:bodyPr rtlCol="0" anchor="ctr"/>
-          <a:lstStyle/>
-          <a:p>
-            <a:pPr algn="ctr"/>
-            <a:endParaRPr lang="en-US" sz="2700"/>
-          </a:p>
-        </p:txBody>
-      </p:sp>
-      <p:pic>
-        <p:nvPicPr>
-          <p:cNvPr id="2" name="Picture 1"/>
-          <p:cNvPicPr>
-            <a:picLocks noChangeAspect="1"/>
-          </p:cNvPicPr>
-          <p:nvPr/>
-        </p:nvPicPr>
-        <p:blipFill rotWithShape="1">
-          <a:blip r:embed="rId3">
-            <a:extLst>
-              <a:ext uri="{28A0092B-C50C-407E-A947-70E740481C1C}">
-                <a14:useLocalDpi xmlns:a14="http://schemas.microsoft.com/office/drawing/2010/main" val="0"/>
-              </a:ext>
-            </a:extLst>
-          </a:blip>
-          <a:srcRect l="69227" t="33418" r="20112" b="50548"/>
-          <a:stretch/>
-        </p:blipFill>
-        <p:spPr>
-          <a:xfrm>
-            <a:off x="15579524" y="7544693"/>
-            <a:ext cx="2708477" cy="2987579"/>
-          </a:xfrm>
-          <a:prstGeom prst="rect">
-            <a:avLst/>
-          </a:prstGeom>
-        </p:spPr>
-      </p:pic>
-      <p:sp>
-        <p:nvSpPr>
-          <p:cNvPr id="3" name="TextBox 2"/>
-          <p:cNvSpPr txBox="1"/>
-          <p:nvPr/>
-        </p:nvSpPr>
-        <p:spPr>
-          <a:xfrm>
-            <a:off x="260431" y="329879"/>
-            <a:ext cx="8906720" cy="10234084"/>
-          </a:xfrm>
-          <a:prstGeom prst="rect">
-            <a:avLst/>
-          </a:prstGeom>
-          <a:noFill/>
-        </p:spPr>
-        <p:txBody>
-          <a:bodyPr wrap="square" rtlCol="0">
-            <a:spAutoFit/>
-          </a:bodyPr>
-          <a:lstStyle/>
-          <a:p>
-            <a:r>
-              <a:rPr lang="en-US" sz="6000" b="1" dirty="0">
-                <a:solidFill>
-                  <a:srgbClr val="CF3338"/>
-                </a:solidFill>
-                <a:latin typeface="Pragmatica" panose="020B0403040502020204" pitchFamily="34" charset="0"/>
-              </a:rPr>
-              <a:t>Monte Carlo simulation with Python in Excel EXERCISE</a:t>
-            </a:r>
-          </a:p>
-          <a:p>
-            <a:endParaRPr lang="en-US" sz="4200" dirty="0">
-              <a:solidFill>
-                <a:srgbClr val="CF3338"/>
-              </a:solidFill>
-              <a:latin typeface="Pragmatica" panose="020B0403040502020204" pitchFamily="34" charset="0"/>
-            </a:endParaRPr>
-          </a:p>
-          <a:p>
-            <a:pPr marL="685800" indent="-542925">
-              <a:lnSpc>
-                <a:spcPct val="115000"/>
-              </a:lnSpc>
-              <a:spcBef>
-                <a:spcPts val="1125"/>
-              </a:spcBef>
-              <a:buClr>
-                <a:srgbClr val="C00000"/>
-              </a:buClr>
-              <a:buSzPts val="2100"/>
-              <a:buFont typeface="Arial"/>
-              <a:buAutoNum type="arabicPeriod"/>
-            </a:pPr>
-            <a:r>
-              <a:rPr lang="en-US" sz="3600" dirty="0">
-                <a:solidFill>
-                  <a:srgbClr val="C00000"/>
-                </a:solidFill>
-                <a:latin typeface="Pragmatica" panose="020B0403040502020204"/>
-                <a:sym typeface="Consolas"/>
-              </a:rPr>
-              <a:t>Simulate the distribution of profit per unit assuming the following</a:t>
-            </a:r>
-          </a:p>
-          <a:p>
-            <a:pPr marL="1143000" lvl="1" indent="-542925">
-              <a:lnSpc>
-                <a:spcPct val="115000"/>
-              </a:lnSpc>
-              <a:spcBef>
-                <a:spcPts val="1125"/>
-              </a:spcBef>
-              <a:buClr>
-                <a:srgbClr val="C00000"/>
-              </a:buClr>
-              <a:buSzPts val="2100"/>
-              <a:buFont typeface="Arial"/>
-              <a:buAutoNum type="arabicPeriod"/>
-            </a:pPr>
-            <a:r>
-              <a:rPr lang="en-US" sz="3600" dirty="0">
-                <a:solidFill>
-                  <a:srgbClr val="C00000"/>
-                </a:solidFill>
-                <a:latin typeface="Pragmatica" panose="020B0403040502020204"/>
-                <a:sym typeface="Consolas"/>
-              </a:rPr>
-              <a:t>Revenue per unit average, standard deviation: 50, 10</a:t>
-            </a:r>
-          </a:p>
-          <a:p>
-            <a:pPr marL="1143000" lvl="1" indent="-542925">
-              <a:lnSpc>
-                <a:spcPct val="115000"/>
-              </a:lnSpc>
-              <a:spcBef>
-                <a:spcPts val="1125"/>
-              </a:spcBef>
-              <a:buClr>
-                <a:srgbClr val="C00000"/>
-              </a:buClr>
-              <a:buSzPts val="2100"/>
-              <a:buFont typeface="Arial"/>
-              <a:buAutoNum type="arabicPeriod"/>
-            </a:pPr>
-            <a:r>
-              <a:rPr lang="en-US" sz="3600" dirty="0">
-                <a:solidFill>
-                  <a:srgbClr val="C00000"/>
-                </a:solidFill>
-                <a:latin typeface="Pragmatica" panose="020B0403040502020204"/>
-                <a:sym typeface="Consolas"/>
-              </a:rPr>
-              <a:t>Cost per unit average, standard deviation: 80, 20</a:t>
-            </a:r>
-          </a:p>
-          <a:p>
-            <a:pPr marL="1143000" lvl="1" indent="-542925">
-              <a:lnSpc>
-                <a:spcPct val="115000"/>
-              </a:lnSpc>
-              <a:spcBef>
-                <a:spcPts val="1125"/>
-              </a:spcBef>
-              <a:buClr>
-                <a:srgbClr val="C00000"/>
-              </a:buClr>
-              <a:buSzPts val="2100"/>
-              <a:buFont typeface="Arial"/>
-              <a:buAutoNum type="arabicPeriod"/>
-            </a:pPr>
-            <a:r>
-              <a:rPr lang="en-US" sz="3600" dirty="0">
-                <a:solidFill>
-                  <a:srgbClr val="C00000"/>
-                </a:solidFill>
-                <a:latin typeface="Pragmatica" panose="020B0403040502020204"/>
-                <a:sym typeface="Consolas"/>
-              </a:rPr>
-              <a:t>Both follow the normal distribution</a:t>
-            </a:r>
-          </a:p>
-          <a:p>
-            <a:pPr marL="142875">
-              <a:lnSpc>
-                <a:spcPct val="115000"/>
-              </a:lnSpc>
-              <a:spcBef>
-                <a:spcPts val="1125"/>
-              </a:spcBef>
-              <a:buClr>
-                <a:srgbClr val="C00000"/>
-              </a:buClr>
-              <a:buSzPts val="2100"/>
-            </a:pPr>
-            <a:r>
-              <a:rPr lang="en-US" sz="3600" dirty="0">
-                <a:solidFill>
-                  <a:srgbClr val="C00000"/>
-                </a:solidFill>
-                <a:latin typeface="Pragmatica" panose="020B0403040502020204"/>
-                <a:sym typeface="Consolas"/>
-              </a:rPr>
-              <a:t>File: </a:t>
-            </a:r>
-            <a:r>
-              <a:rPr lang="en-US" sz="3600" dirty="0">
-                <a:solidFill>
-                  <a:srgbClr val="C00000"/>
-                </a:solidFill>
-                <a:latin typeface="Consolas" panose="020B0609020204030204" pitchFamily="49" charset="0"/>
-                <a:sym typeface="Consolas"/>
-              </a:rPr>
-              <a:t>monte-carlo-demos.xlsx</a:t>
-            </a:r>
-            <a:endParaRPr lang="en-US" sz="6000" dirty="0">
-              <a:solidFill>
-                <a:srgbClr val="CF3338"/>
-              </a:solidFill>
-              <a:latin typeface="Consolas" panose="020B0609020204030204" pitchFamily="49" charset="0"/>
-            </a:endParaRPr>
-          </a:p>
-          <a:p>
-            <a:endParaRPr lang="en-US" sz="6000" dirty="0">
-              <a:solidFill>
-                <a:srgbClr val="CF3338"/>
-              </a:solidFill>
-              <a:latin typeface="Pragmatica" panose="020B0403040502020204" pitchFamily="34" charset="0"/>
-            </a:endParaRPr>
-          </a:p>
-        </p:txBody>
-      </p:sp>
-    </p:spTree>
-    <p:extLst>
-      <p:ext uri="{BB962C8B-B14F-4D97-AF65-F5344CB8AC3E}">
-        <p14:creationId xmlns:p14="http://schemas.microsoft.com/office/powerpoint/2010/main" val="4269649643"/>
-      </p:ext>
-    </p:extLst>
-  </p:cSld>
-  <p:clrMapOvr>
-    <a:masterClrMapping/>
-  </p:clrMapOvr>
-</p:sld>
-</file>
-
-<file path=ppt/slides/slide12.xml><?xml version="1.0" encoding="utf-8"?>
-<p:sld xmlns:a="http://schemas.openxmlformats.org/drawingml/2006/main" xmlns:r="http://schemas.openxmlformats.org/officeDocument/2006/relationships" xmlns:p="http://schemas.openxmlformats.org/presentationml/2006/main">
-  <p:cSld>
-    <p:spTree>
-      <p:nvGrpSpPr>
-        <p:cNvPr id="1" name=""/>
-        <p:cNvGrpSpPr/>
-        <p:nvPr/>
-      </p:nvGrpSpPr>
-      <p:grpSpPr>
-        <a:xfrm>
-          <a:off x="0" y="0"/>
-          <a:ext cx="0" cy="0"/>
-          <a:chOff x="0" y="0"/>
-          <a:chExt cx="0" cy="0"/>
-        </a:xfrm>
-      </p:grpSpPr>
-      <p:sp>
-        <p:nvSpPr>
-          <p:cNvPr id="4" name="Rectangle 3"/>
-          <p:cNvSpPr/>
-          <p:nvPr/>
-        </p:nvSpPr>
-        <p:spPr>
-          <a:xfrm>
-            <a:off x="9861630" y="0"/>
-            <a:ext cx="8426370" cy="10287000"/>
-          </a:xfrm>
-          <a:prstGeom prst="rect">
-            <a:avLst/>
-          </a:prstGeom>
-          <a:solidFill>
-            <a:srgbClr val="CF3338"/>
-          </a:solidFill>
-          <a:ln>
-            <a:noFill/>
-          </a:ln>
-        </p:spPr>
-        <p:style>
-          <a:lnRef idx="2">
-            <a:schemeClr val="accent1">
-              <a:shade val="50000"/>
-            </a:schemeClr>
-          </a:lnRef>
-          <a:fillRef idx="1">
-            <a:schemeClr val="accent1"/>
-          </a:fillRef>
-          <a:effectRef idx="0">
-            <a:schemeClr val="accent1"/>
-          </a:effectRef>
-          <a:fontRef idx="minor">
-            <a:schemeClr val="lt1"/>
-          </a:fontRef>
-        </p:style>
-        <p:txBody>
-          <a:bodyPr rtlCol="0" anchor="ctr"/>
-          <a:lstStyle/>
-          <a:p>
-            <a:pPr algn="ctr"/>
-            <a:endParaRPr lang="en-US" sz="2700"/>
-          </a:p>
-        </p:txBody>
-      </p:sp>
-      <p:pic>
-        <p:nvPicPr>
-          <p:cNvPr id="2" name="Picture 1"/>
-          <p:cNvPicPr>
-            <a:picLocks noChangeAspect="1"/>
-          </p:cNvPicPr>
-          <p:nvPr/>
-        </p:nvPicPr>
-        <p:blipFill rotWithShape="1">
-          <a:blip r:embed="rId3">
-            <a:extLst>
-              <a:ext uri="{28A0092B-C50C-407E-A947-70E740481C1C}">
-                <a14:useLocalDpi xmlns:a14="http://schemas.microsoft.com/office/drawing/2010/main" val="0"/>
-              </a:ext>
-            </a:extLst>
-          </a:blip>
-          <a:srcRect l="69227" t="33418" r="20112" b="50548"/>
-          <a:stretch/>
-        </p:blipFill>
-        <p:spPr>
-          <a:xfrm>
-            <a:off x="15579524" y="7544693"/>
-            <a:ext cx="2708477" cy="2987579"/>
-          </a:xfrm>
-          <a:prstGeom prst="rect">
-            <a:avLst/>
-          </a:prstGeom>
-        </p:spPr>
-      </p:pic>
-      <p:sp>
-        <p:nvSpPr>
-          <p:cNvPr id="3" name="TextBox 2"/>
-          <p:cNvSpPr txBox="1"/>
-          <p:nvPr/>
-        </p:nvSpPr>
-        <p:spPr>
-          <a:xfrm>
-            <a:off x="260431" y="329879"/>
-            <a:ext cx="8906720" cy="8040663"/>
-          </a:xfrm>
-          <a:prstGeom prst="rect">
-            <a:avLst/>
-          </a:prstGeom>
-          <a:noFill/>
-        </p:spPr>
-        <p:txBody>
-          <a:bodyPr wrap="square" rtlCol="0">
-            <a:spAutoFit/>
-          </a:bodyPr>
-          <a:lstStyle/>
-          <a:p>
-            <a:r>
-              <a:rPr lang="en-US" sz="6000" b="1" dirty="0">
-                <a:solidFill>
-                  <a:srgbClr val="CF3338"/>
-                </a:solidFill>
-                <a:latin typeface="Pragmatica" panose="020B0403040502020204" pitchFamily="34" charset="0"/>
-              </a:rPr>
-              <a:t>Simulating non-normal distributions with Python in Excel</a:t>
-            </a:r>
-          </a:p>
-          <a:p>
-            <a:endParaRPr lang="en-US" sz="4200" dirty="0">
-              <a:solidFill>
-                <a:srgbClr val="CF3338"/>
-              </a:solidFill>
-              <a:latin typeface="Pragmatica" panose="020B0403040502020204" pitchFamily="34" charset="0"/>
-            </a:endParaRPr>
-          </a:p>
-          <a:p>
-            <a:pPr marL="685800" indent="-542925">
-              <a:lnSpc>
-                <a:spcPct val="115000"/>
-              </a:lnSpc>
-              <a:spcBef>
-                <a:spcPts val="1125"/>
-              </a:spcBef>
-              <a:buClr>
-                <a:srgbClr val="C00000"/>
-              </a:buClr>
-              <a:buSzPts val="2100"/>
-              <a:buFont typeface="Arial"/>
-              <a:buAutoNum type="arabicPeriod"/>
-            </a:pPr>
-            <a:r>
-              <a:rPr lang="en-US" sz="3600" dirty="0">
-                <a:solidFill>
-                  <a:srgbClr val="C00000"/>
-                </a:solidFill>
-                <a:latin typeface="Pragmatica" panose="020B0403040502020204"/>
-                <a:sym typeface="Consolas"/>
-              </a:rPr>
-              <a:t>Not all variables in the real world follow the real distribution</a:t>
-            </a:r>
-          </a:p>
-          <a:p>
-            <a:pPr marL="685800" indent="-542925">
-              <a:lnSpc>
-                <a:spcPct val="115000"/>
-              </a:lnSpc>
-              <a:spcBef>
-                <a:spcPts val="1125"/>
-              </a:spcBef>
-              <a:buClr>
-                <a:srgbClr val="C00000"/>
-              </a:buClr>
-              <a:buSzPts val="2100"/>
-              <a:buFont typeface="Arial"/>
-              <a:buAutoNum type="arabicPeriod"/>
-            </a:pPr>
-            <a:r>
-              <a:rPr lang="en-US" sz="3600" dirty="0">
-                <a:solidFill>
-                  <a:srgbClr val="C00000"/>
-                </a:solidFill>
-                <a:latin typeface="Pragmatica" panose="020B0403040502020204"/>
-                <a:sym typeface="Consolas"/>
-              </a:rPr>
-              <a:t>How can we adjust our Monte Carlo models to account for this? </a:t>
-            </a:r>
-          </a:p>
-          <a:p>
-            <a:pPr marL="142875">
-              <a:lnSpc>
-                <a:spcPct val="115000"/>
-              </a:lnSpc>
-              <a:spcBef>
-                <a:spcPts val="1125"/>
-              </a:spcBef>
-              <a:buClr>
-                <a:srgbClr val="C00000"/>
-              </a:buClr>
-              <a:buSzPts val="2100"/>
-            </a:pPr>
-            <a:r>
-              <a:rPr lang="en-US" sz="3600" dirty="0">
-                <a:solidFill>
-                  <a:srgbClr val="C00000"/>
-                </a:solidFill>
-                <a:latin typeface="Pragmatica" panose="020B0403040502020204"/>
-                <a:sym typeface="Consolas"/>
-              </a:rPr>
-              <a:t>File: </a:t>
-            </a:r>
-            <a:r>
-              <a:rPr lang="en-US" sz="3600" dirty="0">
-                <a:solidFill>
-                  <a:srgbClr val="C00000"/>
-                </a:solidFill>
-                <a:latin typeface="Consolas" panose="020B0609020204030204" pitchFamily="49" charset="0"/>
-                <a:sym typeface="Consolas"/>
-              </a:rPr>
-              <a:t>monte-carlo-demos.xlsx</a:t>
-            </a:r>
-            <a:endParaRPr lang="en-US" sz="6000" dirty="0">
-              <a:solidFill>
-                <a:srgbClr val="CF3338"/>
-              </a:solidFill>
-              <a:latin typeface="Consolas" panose="020B0609020204030204" pitchFamily="49" charset="0"/>
-            </a:endParaRPr>
-          </a:p>
-          <a:p>
-            <a:endParaRPr lang="en-US" sz="6000" dirty="0">
-              <a:solidFill>
-                <a:srgbClr val="CF3338"/>
-              </a:solidFill>
-              <a:latin typeface="Pragmatica" panose="020B0403040502020204" pitchFamily="34" charset="0"/>
-            </a:endParaRPr>
-          </a:p>
-        </p:txBody>
-      </p:sp>
-    </p:spTree>
-    <p:extLst>
-      <p:ext uri="{BB962C8B-B14F-4D97-AF65-F5344CB8AC3E}">
-        <p14:creationId xmlns:p14="http://schemas.microsoft.com/office/powerpoint/2010/main" val="34312912"/>
-      </p:ext>
-    </p:extLst>
-  </p:cSld>
-  <p:clrMapOvr>
-    <a:masterClrMapping/>
-  </p:clrMapOvr>
-</p:sld>
-</file>
-
-<file path=ppt/slides/slide13.xml><?xml version="1.0" encoding="utf-8"?>
-<p:sld xmlns:a="http://schemas.openxmlformats.org/drawingml/2006/main" xmlns:r="http://schemas.openxmlformats.org/officeDocument/2006/relationships" xmlns:p="http://schemas.openxmlformats.org/presentationml/2006/main">
-  <p:cSld>
-    <p:spTree>
-      <p:nvGrpSpPr>
-        <p:cNvPr id="1" name=""/>
-        <p:cNvGrpSpPr/>
-        <p:nvPr/>
-      </p:nvGrpSpPr>
-      <p:grpSpPr>
-        <a:xfrm>
-          <a:off x="0" y="0"/>
-          <a:ext cx="0" cy="0"/>
-          <a:chOff x="0" y="0"/>
-          <a:chExt cx="0" cy="0"/>
-        </a:xfrm>
-      </p:grpSpPr>
-      <p:sp>
-        <p:nvSpPr>
-          <p:cNvPr id="4" name="Rectangle 3"/>
-          <p:cNvSpPr/>
-          <p:nvPr/>
-        </p:nvSpPr>
-        <p:spPr>
-          <a:xfrm>
-            <a:off x="9861630" y="0"/>
-            <a:ext cx="8426370" cy="10287000"/>
-          </a:xfrm>
-          <a:prstGeom prst="rect">
-            <a:avLst/>
-          </a:prstGeom>
-          <a:solidFill>
-            <a:srgbClr val="CF3338"/>
-          </a:solidFill>
-          <a:ln>
-            <a:noFill/>
-          </a:ln>
-        </p:spPr>
-        <p:style>
-          <a:lnRef idx="2">
-            <a:schemeClr val="accent1">
-              <a:shade val="50000"/>
-            </a:schemeClr>
-          </a:lnRef>
-          <a:fillRef idx="1">
-            <a:schemeClr val="accent1"/>
-          </a:fillRef>
-          <a:effectRef idx="0">
-            <a:schemeClr val="accent1"/>
-          </a:effectRef>
-          <a:fontRef idx="minor">
-            <a:schemeClr val="lt1"/>
-          </a:fontRef>
-        </p:style>
-        <p:txBody>
-          <a:bodyPr rtlCol="0" anchor="ctr"/>
-          <a:lstStyle/>
-          <a:p>
-            <a:pPr algn="ctr"/>
-            <a:endParaRPr lang="en-US" sz="2700"/>
-          </a:p>
-        </p:txBody>
-      </p:sp>
-      <p:pic>
-        <p:nvPicPr>
-          <p:cNvPr id="2" name="Picture 1"/>
-          <p:cNvPicPr>
-            <a:picLocks noChangeAspect="1"/>
-          </p:cNvPicPr>
-          <p:nvPr/>
-        </p:nvPicPr>
-        <p:blipFill rotWithShape="1">
-          <a:blip r:embed="rId3">
-            <a:extLst>
-              <a:ext uri="{28A0092B-C50C-407E-A947-70E740481C1C}">
-                <a14:useLocalDpi xmlns:a14="http://schemas.microsoft.com/office/drawing/2010/main" val="0"/>
-              </a:ext>
-            </a:extLst>
-          </a:blip>
-          <a:srcRect l="69227" t="33418" r="20112" b="50548"/>
-          <a:stretch/>
-        </p:blipFill>
-        <p:spPr>
-          <a:xfrm>
-            <a:off x="15579524" y="7544693"/>
-            <a:ext cx="2708477" cy="2987579"/>
-          </a:xfrm>
-          <a:prstGeom prst="rect">
-            <a:avLst/>
-          </a:prstGeom>
-        </p:spPr>
-      </p:pic>
-      <p:sp>
-        <p:nvSpPr>
-          <p:cNvPr id="3" name="TextBox 2"/>
-          <p:cNvSpPr txBox="1"/>
-          <p:nvPr/>
-        </p:nvSpPr>
-        <p:spPr>
-          <a:xfrm>
-            <a:off x="260431" y="329879"/>
-            <a:ext cx="8906720" cy="5843138"/>
-          </a:xfrm>
-          <a:prstGeom prst="rect">
-            <a:avLst/>
-          </a:prstGeom>
-          <a:noFill/>
-        </p:spPr>
-        <p:txBody>
-          <a:bodyPr wrap="square" rtlCol="0">
-            <a:spAutoFit/>
-          </a:bodyPr>
-          <a:lstStyle/>
-          <a:p>
-            <a:r>
-              <a:rPr lang="en-US" sz="6000" b="1" dirty="0">
-                <a:solidFill>
-                  <a:srgbClr val="CF3338"/>
-                </a:solidFill>
-                <a:latin typeface="Pragmatica" panose="020B0403040502020204" pitchFamily="34" charset="0"/>
-              </a:rPr>
-              <a:t>Simulating sales trends with Python in Excel</a:t>
-            </a:r>
-          </a:p>
-          <a:p>
-            <a:endParaRPr lang="en-US" sz="4200" dirty="0">
-              <a:solidFill>
-                <a:srgbClr val="CF3338"/>
-              </a:solidFill>
-              <a:latin typeface="Pragmatica" panose="020B0403040502020204" pitchFamily="34" charset="0"/>
-            </a:endParaRPr>
-          </a:p>
-          <a:p>
-            <a:pPr marL="685800" indent="-542925">
-              <a:lnSpc>
-                <a:spcPct val="115000"/>
-              </a:lnSpc>
-              <a:spcBef>
-                <a:spcPts val="1125"/>
-              </a:spcBef>
-              <a:buClr>
-                <a:srgbClr val="C00000"/>
-              </a:buClr>
-              <a:buSzPts val="2100"/>
-              <a:buFont typeface="Arial"/>
-              <a:buAutoNum type="arabicPeriod"/>
-            </a:pPr>
-            <a:r>
-              <a:rPr lang="en-US" sz="3600" dirty="0">
-                <a:solidFill>
-                  <a:srgbClr val="C00000"/>
-                </a:solidFill>
-                <a:latin typeface="Pragmatica" panose="020B0403040502020204"/>
-                <a:sym typeface="Consolas"/>
-              </a:rPr>
-              <a:t>Simulating trends over time</a:t>
-            </a:r>
-          </a:p>
-          <a:p>
-            <a:pPr marL="685800" indent="-542925">
-              <a:lnSpc>
-                <a:spcPct val="115000"/>
-              </a:lnSpc>
-              <a:spcBef>
-                <a:spcPts val="1125"/>
-              </a:spcBef>
-              <a:buClr>
-                <a:srgbClr val="C00000"/>
-              </a:buClr>
-              <a:buSzPts val="2100"/>
-              <a:buFont typeface="Arial"/>
-              <a:buAutoNum type="arabicPeriod"/>
-            </a:pPr>
-            <a:r>
-              <a:rPr lang="en-US" sz="3600" dirty="0">
-                <a:solidFill>
-                  <a:srgbClr val="C00000"/>
-                </a:solidFill>
-                <a:latin typeface="Pragmatica" panose="020B0403040502020204"/>
-                <a:sym typeface="Consolas"/>
-              </a:rPr>
-              <a:t>Visualizing the results</a:t>
-            </a:r>
-          </a:p>
-          <a:p>
-            <a:pPr marL="142875">
-              <a:lnSpc>
-                <a:spcPct val="115000"/>
-              </a:lnSpc>
-              <a:spcBef>
-                <a:spcPts val="1125"/>
-              </a:spcBef>
-              <a:buClr>
-                <a:srgbClr val="C00000"/>
-              </a:buClr>
-              <a:buSzPts val="2100"/>
-            </a:pPr>
-            <a:r>
-              <a:rPr lang="en-US" sz="3600" dirty="0">
-                <a:solidFill>
-                  <a:srgbClr val="C00000"/>
-                </a:solidFill>
-                <a:latin typeface="Pragmatica" panose="020B0403040502020204"/>
-                <a:sym typeface="Consolas"/>
-              </a:rPr>
-              <a:t>File: </a:t>
-            </a:r>
-            <a:r>
-              <a:rPr lang="en-US" sz="3600" dirty="0">
-                <a:solidFill>
-                  <a:srgbClr val="C00000"/>
-                </a:solidFill>
-                <a:latin typeface="Consolas" panose="020B0609020204030204" pitchFamily="49" charset="0"/>
-                <a:sym typeface="Consolas"/>
-              </a:rPr>
-              <a:t>monte-carlo-demos.xlsx</a:t>
-            </a:r>
-            <a:endParaRPr lang="en-US" sz="6000" dirty="0">
-              <a:solidFill>
-                <a:srgbClr val="CF3338"/>
-              </a:solidFill>
-              <a:latin typeface="Consolas" panose="020B0609020204030204" pitchFamily="49" charset="0"/>
-            </a:endParaRPr>
-          </a:p>
-          <a:p>
-            <a:endParaRPr lang="en-US" sz="6000" dirty="0">
-              <a:solidFill>
-                <a:srgbClr val="CF3338"/>
-              </a:solidFill>
-              <a:latin typeface="Pragmatica" panose="020B0403040502020204" pitchFamily="34" charset="0"/>
-            </a:endParaRPr>
-          </a:p>
-        </p:txBody>
-      </p:sp>
-    </p:spTree>
-    <p:extLst>
-      <p:ext uri="{BB962C8B-B14F-4D97-AF65-F5344CB8AC3E}">
-        <p14:creationId xmlns:p14="http://schemas.microsoft.com/office/powerpoint/2010/main" val="620997798"/>
-      </p:ext>
-    </p:extLst>
-  </p:cSld>
-  <p:clrMapOvr>
-    <a:masterClrMapping/>
-  </p:clrMapOvr>
-</p:sld>
-</file>
-
-<file path=ppt/slides/slide14.xml><?xml version="1.0" encoding="utf-8"?>
-<p:sld xmlns:a="http://schemas.openxmlformats.org/drawingml/2006/main" xmlns:r="http://schemas.openxmlformats.org/officeDocument/2006/relationships" xmlns:p="http://schemas.openxmlformats.org/presentationml/2006/main">
-  <p:cSld>
-    <p:spTree>
-      <p:nvGrpSpPr>
-        <p:cNvPr id="1" name=""/>
-        <p:cNvGrpSpPr/>
-        <p:nvPr/>
-      </p:nvGrpSpPr>
-      <p:grpSpPr>
-        <a:xfrm>
-          <a:off x="0" y="0"/>
-          <a:ext cx="0" cy="0"/>
-          <a:chOff x="0" y="0"/>
-          <a:chExt cx="0" cy="0"/>
-        </a:xfrm>
-      </p:grpSpPr>
-      <p:pic>
-        <p:nvPicPr>
-          <p:cNvPr id="10" name="Picture 9"/>
-          <p:cNvPicPr>
-            <a:picLocks noChangeAspect="1"/>
-          </p:cNvPicPr>
-          <p:nvPr/>
-        </p:nvPicPr>
-        <p:blipFill rotWithShape="1">
-          <a:blip r:embed="rId2">
-            <a:extLst>
-              <a:ext uri="{28A0092B-C50C-407E-A947-70E740481C1C}">
-                <a14:useLocalDpi xmlns:a14="http://schemas.microsoft.com/office/drawing/2010/main" val="0"/>
-              </a:ext>
-            </a:extLst>
-          </a:blip>
-          <a:srcRect l="50728" t="56371"/>
-          <a:stretch/>
-        </p:blipFill>
-        <p:spPr>
-          <a:xfrm>
-            <a:off x="12204691" y="3316148"/>
-            <a:ext cx="6083309" cy="6970854"/>
-          </a:xfrm>
-          <a:prstGeom prst="rect">
-            <a:avLst/>
-          </a:prstGeom>
-        </p:spPr>
-      </p:pic>
-      <p:pic>
-        <p:nvPicPr>
-          <p:cNvPr id="4" name="Picture 3"/>
-          <p:cNvPicPr>
-            <a:picLocks noChangeAspect="1"/>
-          </p:cNvPicPr>
-          <p:nvPr/>
-        </p:nvPicPr>
-        <p:blipFill>
-          <a:blip r:embed="rId3">
-            <a:extLst>
-              <a:ext uri="{28A0092B-C50C-407E-A947-70E740481C1C}">
-                <a14:useLocalDpi xmlns:a14="http://schemas.microsoft.com/office/drawing/2010/main" val="0"/>
-              </a:ext>
-            </a:extLst>
-          </a:blip>
-          <a:stretch>
-            <a:fillRect/>
-          </a:stretch>
-        </p:blipFill>
-        <p:spPr>
-          <a:xfrm>
-            <a:off x="-807744" y="-3724155"/>
-            <a:ext cx="15257208" cy="11189825"/>
-          </a:xfrm>
-          <a:prstGeom prst="rect">
-            <a:avLst/>
-          </a:prstGeom>
-        </p:spPr>
-      </p:pic>
-      <p:sp>
-        <p:nvSpPr>
-          <p:cNvPr id="11" name="TextBox 10"/>
-          <p:cNvSpPr txBox="1"/>
-          <p:nvPr/>
-        </p:nvSpPr>
-        <p:spPr>
-          <a:xfrm>
-            <a:off x="486137" y="2531318"/>
-            <a:ext cx="11979797" cy="923330"/>
-          </a:xfrm>
-          <a:prstGeom prst="rect">
-            <a:avLst/>
-          </a:prstGeom>
-          <a:noFill/>
-        </p:spPr>
-        <p:txBody>
-          <a:bodyPr wrap="square" rtlCol="0">
-            <a:spAutoFit/>
-          </a:bodyPr>
-          <a:lstStyle/>
-          <a:p>
-            <a:r>
-              <a:rPr lang="en-US" sz="5400" b="1" dirty="0">
-                <a:solidFill>
-                  <a:srgbClr val="CF3338"/>
-                </a:solidFill>
-                <a:latin typeface="Pragmatica" panose="020B0403040502020204" pitchFamily="34" charset="0"/>
-              </a:rPr>
-              <a:t>Questions?</a:t>
-            </a:r>
-          </a:p>
-        </p:txBody>
-      </p:sp>
-      <p:pic>
-        <p:nvPicPr>
-          <p:cNvPr id="5" name="Picture 4">
-            <a:extLst>
-              <a:ext uri="{FF2B5EF4-FFF2-40B4-BE49-F238E27FC236}">
-                <a16:creationId xmlns:a16="http://schemas.microsoft.com/office/drawing/2014/main" id="{54A06221-5316-4BCF-9FDA-BDB95FF4A778}"/>
-              </a:ext>
-            </a:extLst>
-          </p:cNvPr>
-          <p:cNvPicPr>
-            <a:picLocks noChangeAspect="1"/>
-          </p:cNvPicPr>
-          <p:nvPr/>
-        </p:nvPicPr>
-        <p:blipFill>
-          <a:blip r:embed="rId4">
-            <a:extLst>
-              <a:ext uri="{28A0092B-C50C-407E-A947-70E740481C1C}">
-                <a14:useLocalDpi xmlns:a14="http://schemas.microsoft.com/office/drawing/2010/main" val="0"/>
-              </a:ext>
-            </a:extLst>
-          </a:blip>
-          <a:srcRect/>
-          <a:stretch/>
-        </p:blipFill>
-        <p:spPr>
-          <a:xfrm>
-            <a:off x="12204691" y="3317239"/>
-            <a:ext cx="6083309" cy="6968672"/>
-          </a:xfrm>
-          <a:prstGeom prst="rect">
-            <a:avLst/>
-          </a:prstGeom>
-        </p:spPr>
-      </p:pic>
-    </p:spTree>
-    <p:extLst>
-      <p:ext uri="{BB962C8B-B14F-4D97-AF65-F5344CB8AC3E}">
-        <p14:creationId xmlns:p14="http://schemas.microsoft.com/office/powerpoint/2010/main" val="2899625024"/>
-      </p:ext>
-    </p:extLst>
-  </p:cSld>
-  <p:clrMapOvr>
-    <a:masterClrMapping/>
-  </p:clrMapOvr>
-</p:sld>
-</file>
-
-<file path=ppt/slides/slide15.xml><?xml version="1.0" encoding="utf-8"?>
-<p:sld xmlns:a="http://schemas.openxmlformats.org/drawingml/2006/main" xmlns:r="http://schemas.openxmlformats.org/officeDocument/2006/relationships" xmlns:p="http://schemas.openxmlformats.org/presentationml/2006/main">
-  <p:cSld>
-    <p:spTree>
-      <p:nvGrpSpPr>
-        <p:cNvPr id="1" name="">
-          <a:extLst>
-            <a:ext uri="{FF2B5EF4-FFF2-40B4-BE49-F238E27FC236}">
-              <a16:creationId xmlns:a16="http://schemas.microsoft.com/office/drawing/2014/main" id="{556CB9BC-ABA6-103A-715B-D3B9A4577CCE}"/>
-            </a:ext>
-          </a:extLst>
-        </p:cNvPr>
-        <p:cNvGrpSpPr/>
-        <p:nvPr/>
-      </p:nvGrpSpPr>
-      <p:grpSpPr>
-        <a:xfrm>
-          <a:off x="0" y="0"/>
-          <a:ext cx="0" cy="0"/>
-          <a:chOff x="0" y="0"/>
-          <a:chExt cx="0" cy="0"/>
-        </a:xfrm>
-      </p:grpSpPr>
-      <p:sp>
-        <p:nvSpPr>
-          <p:cNvPr id="4" name="Rectangle 3">
-            <a:extLst>
-              <a:ext uri="{FF2B5EF4-FFF2-40B4-BE49-F238E27FC236}">
-                <a16:creationId xmlns:a16="http://schemas.microsoft.com/office/drawing/2014/main" id="{DADD1AF2-9FDD-94D8-80B6-5B4D41D189A9}"/>
-              </a:ext>
-            </a:extLst>
-          </p:cNvPr>
-          <p:cNvSpPr/>
-          <p:nvPr/>
-        </p:nvSpPr>
-        <p:spPr>
-          <a:xfrm>
-            <a:off x="9861630" y="0"/>
-            <a:ext cx="8426370" cy="10287000"/>
-          </a:xfrm>
-          <a:prstGeom prst="rect">
-            <a:avLst/>
-          </a:prstGeom>
-          <a:solidFill>
-            <a:srgbClr val="CF3338"/>
-          </a:solidFill>
-          <a:ln>
-            <a:noFill/>
-          </a:ln>
-        </p:spPr>
-        <p:style>
-          <a:lnRef idx="2">
-            <a:schemeClr val="accent1">
-              <a:shade val="50000"/>
-            </a:schemeClr>
-          </a:lnRef>
-          <a:fillRef idx="1">
-            <a:schemeClr val="accent1"/>
-          </a:fillRef>
-          <a:effectRef idx="0">
-            <a:schemeClr val="accent1"/>
-          </a:effectRef>
-          <a:fontRef idx="minor">
-            <a:schemeClr val="lt1"/>
-          </a:fontRef>
-        </p:style>
-        <p:txBody>
-          <a:bodyPr rtlCol="0" anchor="ctr"/>
-          <a:lstStyle/>
-          <a:p>
-            <a:pPr algn="ctr"/>
-            <a:endParaRPr lang="en-US" sz="2700"/>
-          </a:p>
-        </p:txBody>
-      </p:sp>
-      <p:pic>
-        <p:nvPicPr>
-          <p:cNvPr id="2" name="Picture 1">
-            <a:extLst>
-              <a:ext uri="{FF2B5EF4-FFF2-40B4-BE49-F238E27FC236}">
-                <a16:creationId xmlns:a16="http://schemas.microsoft.com/office/drawing/2014/main" id="{B995B80C-F573-6FA2-163B-B895205BFF2A}"/>
-              </a:ext>
-            </a:extLst>
-          </p:cNvPr>
-          <p:cNvPicPr>
-            <a:picLocks noChangeAspect="1"/>
-          </p:cNvPicPr>
-          <p:nvPr/>
-        </p:nvPicPr>
-        <p:blipFill rotWithShape="1">
-          <a:blip r:embed="rId3">
-            <a:extLst>
-              <a:ext uri="{28A0092B-C50C-407E-A947-70E740481C1C}">
-                <a14:useLocalDpi xmlns:a14="http://schemas.microsoft.com/office/drawing/2010/main" val="0"/>
-              </a:ext>
-            </a:extLst>
-          </a:blip>
-          <a:srcRect l="69227" t="33418" r="20112" b="50548"/>
-          <a:stretch/>
-        </p:blipFill>
-        <p:spPr>
-          <a:xfrm>
-            <a:off x="15579524" y="7544693"/>
-            <a:ext cx="2708477" cy="2987579"/>
-          </a:xfrm>
-          <a:prstGeom prst="rect">
-            <a:avLst/>
-          </a:prstGeom>
-        </p:spPr>
-      </p:pic>
-      <p:sp>
-        <p:nvSpPr>
-          <p:cNvPr id="3" name="TextBox 2">
-            <a:extLst>
-              <a:ext uri="{FF2B5EF4-FFF2-40B4-BE49-F238E27FC236}">
-                <a16:creationId xmlns:a16="http://schemas.microsoft.com/office/drawing/2014/main" id="{1B972C77-007E-B6EB-C801-5C7906650F63}"/>
-              </a:ext>
-            </a:extLst>
-          </p:cNvPr>
-          <p:cNvSpPr txBox="1"/>
-          <p:nvPr/>
-        </p:nvSpPr>
-        <p:spPr>
-          <a:xfrm>
-            <a:off x="260431" y="329879"/>
-            <a:ext cx="8906720" cy="1015663"/>
-          </a:xfrm>
-          <a:prstGeom prst="rect">
-            <a:avLst/>
-          </a:prstGeom>
-          <a:noFill/>
-        </p:spPr>
-        <p:txBody>
-          <a:bodyPr wrap="square" rtlCol="0">
-            <a:spAutoFit/>
-          </a:bodyPr>
-          <a:lstStyle/>
-          <a:p>
-            <a:r>
-              <a:rPr lang="en-US" sz="6000" b="1" dirty="0">
-                <a:solidFill>
-                  <a:srgbClr val="CF3338"/>
-                </a:solidFill>
-                <a:latin typeface="Pragmatica" panose="020B0403040502020204" pitchFamily="34" charset="0"/>
-              </a:rPr>
-              <a:t>Resource: </a:t>
-            </a:r>
-            <a:r>
-              <a:rPr lang="en-US" sz="6000" b="1" i="1" dirty="0">
-                <a:solidFill>
-                  <a:srgbClr val="CF3338"/>
-                </a:solidFill>
-                <a:latin typeface="Pragmatica" panose="020B0403040502020204" pitchFamily="34" charset="0"/>
-              </a:rPr>
-              <a:t>Python for Excel</a:t>
-            </a:r>
-            <a:endParaRPr lang="en-US" sz="6000" b="1" dirty="0">
-              <a:solidFill>
-                <a:srgbClr val="CF3338"/>
-              </a:solidFill>
-              <a:latin typeface="Pragmatica" panose="020B0403040502020204" pitchFamily="34" charset="0"/>
-            </a:endParaRPr>
-          </a:p>
-        </p:txBody>
-      </p:sp>
-      <p:pic>
-        <p:nvPicPr>
-          <p:cNvPr id="1026" name="Picture 2" descr="Python for Excel">
-            <a:extLst>
-              <a:ext uri="{FF2B5EF4-FFF2-40B4-BE49-F238E27FC236}">
-                <a16:creationId xmlns:a16="http://schemas.microsoft.com/office/drawing/2014/main" id="{80644A9C-C912-1443-B13D-FF6D068A9C43}"/>
-              </a:ext>
-            </a:extLst>
-          </p:cNvPr>
-          <p:cNvPicPr>
-            <a:picLocks noChangeAspect="1" noChangeArrowheads="1"/>
-          </p:cNvPicPr>
-          <p:nvPr/>
-        </p:nvPicPr>
-        <p:blipFill>
-          <a:blip r:embed="rId4">
-            <a:extLst>
-              <a:ext uri="{28A0092B-C50C-407E-A947-70E740481C1C}">
-                <a14:useLocalDpi xmlns:a14="http://schemas.microsoft.com/office/drawing/2010/main" val="0"/>
-              </a:ext>
-            </a:extLst>
-          </a:blip>
-          <a:srcRect/>
-          <a:stretch>
-            <a:fillRect/>
-          </a:stretch>
-        </p:blipFill>
-        <p:spPr bwMode="auto">
-          <a:xfrm>
-            <a:off x="762000" y="1790700"/>
-            <a:ext cx="6096000" cy="8001000"/>
-          </a:xfrm>
-          <a:prstGeom prst="rect">
-            <a:avLst/>
-          </a:prstGeom>
-          <a:noFill/>
-          <a:extLst>
-            <a:ext uri="{909E8E84-426E-40DD-AFC4-6F175D3DCCD1}">
-              <a14:hiddenFill xmlns:a14="http://schemas.microsoft.com/office/drawing/2010/main">
-                <a:solidFill>
-                  <a:srgbClr val="FFFFFF"/>
-                </a:solidFill>
-              </a14:hiddenFill>
-            </a:ext>
-          </a:extLst>
-        </p:spPr>
-      </p:pic>
-    </p:spTree>
-    <p:extLst>
-      <p:ext uri="{BB962C8B-B14F-4D97-AF65-F5344CB8AC3E}">
-        <p14:creationId xmlns:p14="http://schemas.microsoft.com/office/powerpoint/2010/main" val="837451578"/>
-      </p:ext>
-    </p:extLst>
-  </p:cSld>
-  <p:clrMapOvr>
-    <a:masterClrMapping/>
-  </p:clrMapOvr>
-</p:sld>
-</file>
-
-<file path=ppt/slides/slide16.xml><?xml version="1.0" encoding="utf-8"?>
-<p:sld xmlns:a="http://schemas.openxmlformats.org/drawingml/2006/main" xmlns:r="http://schemas.openxmlformats.org/officeDocument/2006/relationships" xmlns:p="http://schemas.openxmlformats.org/presentationml/2006/main">
-  <p:cSld>
-    <p:spTree>
-      <p:nvGrpSpPr>
-        <p:cNvPr id="1" name="">
-          <a:extLst>
-            <a:ext uri="{FF2B5EF4-FFF2-40B4-BE49-F238E27FC236}">
-              <a16:creationId xmlns:a16="http://schemas.microsoft.com/office/drawing/2014/main" id="{1DCEF581-6BA9-4461-08BA-6D16F65F3328}"/>
-            </a:ext>
-          </a:extLst>
-        </p:cNvPr>
-        <p:cNvGrpSpPr/>
-        <p:nvPr/>
-      </p:nvGrpSpPr>
-      <p:grpSpPr>
-        <a:xfrm>
-          <a:off x="0" y="0"/>
-          <a:ext cx="0" cy="0"/>
-          <a:chOff x="0" y="0"/>
-          <a:chExt cx="0" cy="0"/>
-        </a:xfrm>
-      </p:grpSpPr>
-      <p:sp>
-        <p:nvSpPr>
-          <p:cNvPr id="4" name="Rectangle 3">
-            <a:extLst>
-              <a:ext uri="{FF2B5EF4-FFF2-40B4-BE49-F238E27FC236}">
-                <a16:creationId xmlns:a16="http://schemas.microsoft.com/office/drawing/2014/main" id="{086DF1D7-4393-B6A7-D04C-55B1E5B8B731}"/>
-              </a:ext>
-            </a:extLst>
-          </p:cNvPr>
-          <p:cNvSpPr/>
-          <p:nvPr/>
-        </p:nvSpPr>
-        <p:spPr>
-          <a:xfrm>
-            <a:off x="9861630" y="0"/>
-            <a:ext cx="8426370" cy="10287000"/>
-          </a:xfrm>
-          <a:prstGeom prst="rect">
-            <a:avLst/>
-          </a:prstGeom>
-          <a:solidFill>
-            <a:srgbClr val="CF3338"/>
-          </a:solidFill>
-          <a:ln>
-            <a:noFill/>
-          </a:ln>
-        </p:spPr>
-        <p:style>
-          <a:lnRef idx="2">
-            <a:schemeClr val="accent1">
-              <a:shade val="50000"/>
-            </a:schemeClr>
-          </a:lnRef>
-          <a:fillRef idx="1">
-            <a:schemeClr val="accent1"/>
-          </a:fillRef>
-          <a:effectRef idx="0">
-            <a:schemeClr val="accent1"/>
-          </a:effectRef>
-          <a:fontRef idx="minor">
-            <a:schemeClr val="lt1"/>
-          </a:fontRef>
-        </p:style>
-        <p:txBody>
-          <a:bodyPr rtlCol="0" anchor="ctr"/>
-          <a:lstStyle/>
-          <a:p>
-            <a:pPr algn="ctr"/>
-            <a:endParaRPr lang="en-US" sz="2700"/>
-          </a:p>
-        </p:txBody>
-      </p:sp>
-      <p:pic>
-        <p:nvPicPr>
-          <p:cNvPr id="2" name="Picture 1">
-            <a:extLst>
-              <a:ext uri="{FF2B5EF4-FFF2-40B4-BE49-F238E27FC236}">
-                <a16:creationId xmlns:a16="http://schemas.microsoft.com/office/drawing/2014/main" id="{310EF924-3C1C-4586-5E9A-2810C5DAD7C2}"/>
-              </a:ext>
-            </a:extLst>
-          </p:cNvPr>
-          <p:cNvPicPr>
-            <a:picLocks noChangeAspect="1"/>
-          </p:cNvPicPr>
-          <p:nvPr/>
-        </p:nvPicPr>
-        <p:blipFill rotWithShape="1">
-          <a:blip r:embed="rId3">
-            <a:extLst>
-              <a:ext uri="{28A0092B-C50C-407E-A947-70E740481C1C}">
-                <a14:useLocalDpi xmlns:a14="http://schemas.microsoft.com/office/drawing/2010/main" val="0"/>
-              </a:ext>
-            </a:extLst>
-          </a:blip>
-          <a:srcRect l="69227" t="33418" r="20112" b="50548"/>
-          <a:stretch/>
-        </p:blipFill>
-        <p:spPr>
-          <a:xfrm>
-            <a:off x="15579524" y="7544693"/>
-            <a:ext cx="2708477" cy="2987579"/>
-          </a:xfrm>
-          <a:prstGeom prst="rect">
-            <a:avLst/>
-          </a:prstGeom>
-        </p:spPr>
-      </p:pic>
-      <p:sp>
-        <p:nvSpPr>
-          <p:cNvPr id="3" name="TextBox 2">
-            <a:extLst>
-              <a:ext uri="{FF2B5EF4-FFF2-40B4-BE49-F238E27FC236}">
-                <a16:creationId xmlns:a16="http://schemas.microsoft.com/office/drawing/2014/main" id="{9C1992D3-0543-2919-A641-F8327941676A}"/>
-              </a:ext>
-            </a:extLst>
-          </p:cNvPr>
-          <p:cNvSpPr txBox="1"/>
-          <p:nvPr/>
-        </p:nvSpPr>
-        <p:spPr>
-          <a:xfrm>
-            <a:off x="260431" y="329879"/>
-            <a:ext cx="8906720" cy="1938992"/>
-          </a:xfrm>
-          <a:prstGeom prst="rect">
-            <a:avLst/>
-          </a:prstGeom>
-          <a:noFill/>
-        </p:spPr>
-        <p:txBody>
-          <a:bodyPr wrap="square" rtlCol="0">
-            <a:spAutoFit/>
-          </a:bodyPr>
-          <a:lstStyle/>
-          <a:p>
-            <a:r>
-              <a:rPr lang="en-US" sz="6000" b="1" dirty="0">
-                <a:solidFill>
-                  <a:srgbClr val="CF3338"/>
-                </a:solidFill>
-                <a:latin typeface="Pragmatica" panose="020B0403040502020204" pitchFamily="34" charset="0"/>
-              </a:rPr>
-              <a:t>Resource: </a:t>
-            </a:r>
-            <a:r>
-              <a:rPr lang="en-US" sz="6000" b="1" i="1" dirty="0">
-                <a:solidFill>
-                  <a:srgbClr val="CF3338"/>
-                </a:solidFill>
-                <a:latin typeface="Pragmatica" panose="020B0403040502020204" pitchFamily="34" charset="0"/>
-              </a:rPr>
-              <a:t>Advancing into Analytics</a:t>
-            </a:r>
-            <a:endParaRPr lang="en-US" sz="6000" b="1" dirty="0">
-              <a:solidFill>
-                <a:srgbClr val="CF3338"/>
-              </a:solidFill>
-              <a:latin typeface="Pragmatica" panose="020B0403040502020204" pitchFamily="34" charset="0"/>
-            </a:endParaRPr>
-          </a:p>
-        </p:txBody>
-      </p:sp>
-      <p:pic>
-        <p:nvPicPr>
-          <p:cNvPr id="2050" name="Picture 2" descr="Advancing into Analytics">
-            <a:extLst>
-              <a:ext uri="{FF2B5EF4-FFF2-40B4-BE49-F238E27FC236}">
-                <a16:creationId xmlns:a16="http://schemas.microsoft.com/office/drawing/2014/main" id="{5C03E10B-C7DA-1326-28F0-7E1E8E279675}"/>
-              </a:ext>
-            </a:extLst>
-          </p:cNvPr>
-          <p:cNvPicPr>
-            <a:picLocks noChangeAspect="1" noChangeArrowheads="1"/>
-          </p:cNvPicPr>
-          <p:nvPr/>
-        </p:nvPicPr>
-        <p:blipFill>
-          <a:blip r:embed="rId4">
-            <a:extLst>
-              <a:ext uri="{28A0092B-C50C-407E-A947-70E740481C1C}">
-                <a14:useLocalDpi xmlns:a14="http://schemas.microsoft.com/office/drawing/2010/main" val="0"/>
-              </a:ext>
-            </a:extLst>
-          </a:blip>
-          <a:srcRect/>
-          <a:stretch>
-            <a:fillRect/>
-          </a:stretch>
-        </p:blipFill>
-        <p:spPr bwMode="auto">
-          <a:xfrm>
-            <a:off x="381000" y="2544068"/>
-            <a:ext cx="5715000" cy="7500938"/>
-          </a:xfrm>
-          <a:prstGeom prst="rect">
-            <a:avLst/>
-          </a:prstGeom>
-          <a:noFill/>
-          <a:extLst>
-            <a:ext uri="{909E8E84-426E-40DD-AFC4-6F175D3DCCD1}">
-              <a14:hiddenFill xmlns:a14="http://schemas.microsoft.com/office/drawing/2010/main">
-                <a:solidFill>
-                  <a:srgbClr val="FFFFFF"/>
-                </a:solidFill>
-              </a14:hiddenFill>
-            </a:ext>
-          </a:extLst>
-        </p:spPr>
-      </p:pic>
-    </p:spTree>
-    <p:extLst>
-      <p:ext uri="{BB962C8B-B14F-4D97-AF65-F5344CB8AC3E}">
-        <p14:creationId xmlns:p14="http://schemas.microsoft.com/office/powerpoint/2010/main" val="616977739"/>
-      </p:ext>
-    </p:extLst>
-  </p:cSld>
-  <p:clrMapOvr>
-    <a:masterClrMapping/>
-  </p:clrMapOvr>
-</p:sld>
-</file>
-
-<file path=ppt/slides/slide17.xml><?xml version="1.0" encoding="utf-8"?>
-<p:sld xmlns:a="http://schemas.openxmlformats.org/drawingml/2006/main" xmlns:r="http://schemas.openxmlformats.org/officeDocument/2006/relationships" xmlns:p="http://schemas.openxmlformats.org/presentationml/2006/main">
-  <p:cSld>
-    <p:spTree>
-      <p:nvGrpSpPr>
-        <p:cNvPr id="1" name="">
-          <a:extLst>
-            <a:ext uri="{FF2B5EF4-FFF2-40B4-BE49-F238E27FC236}">
-              <a16:creationId xmlns:a16="http://schemas.microsoft.com/office/drawing/2014/main" id="{5D488E77-04E4-08C7-1031-1F498D077B51}"/>
-            </a:ext>
-          </a:extLst>
-        </p:cNvPr>
-        <p:cNvGrpSpPr/>
-        <p:nvPr/>
-      </p:nvGrpSpPr>
-      <p:grpSpPr>
-        <a:xfrm>
-          <a:off x="0" y="0"/>
-          <a:ext cx="0" cy="0"/>
-          <a:chOff x="0" y="0"/>
-          <a:chExt cx="0" cy="0"/>
-        </a:xfrm>
-      </p:grpSpPr>
-      <p:sp>
-        <p:nvSpPr>
-          <p:cNvPr id="4" name="Rectangle 3">
-            <a:extLst>
-              <a:ext uri="{FF2B5EF4-FFF2-40B4-BE49-F238E27FC236}">
-                <a16:creationId xmlns:a16="http://schemas.microsoft.com/office/drawing/2014/main" id="{E5ABA32D-D202-8170-BD82-0F9E54BD20DE}"/>
-              </a:ext>
-            </a:extLst>
-          </p:cNvPr>
-          <p:cNvSpPr/>
-          <p:nvPr/>
-        </p:nvSpPr>
-        <p:spPr>
-          <a:xfrm>
-            <a:off x="9861630" y="0"/>
-            <a:ext cx="8426370" cy="10287000"/>
-          </a:xfrm>
-          <a:prstGeom prst="rect">
-            <a:avLst/>
-          </a:prstGeom>
-          <a:solidFill>
-            <a:srgbClr val="CF3338"/>
-          </a:solidFill>
-          <a:ln>
-            <a:noFill/>
-          </a:ln>
-        </p:spPr>
-        <p:style>
-          <a:lnRef idx="2">
-            <a:schemeClr val="accent1">
-              <a:shade val="50000"/>
-            </a:schemeClr>
-          </a:lnRef>
-          <a:fillRef idx="1">
-            <a:schemeClr val="accent1"/>
-          </a:fillRef>
-          <a:effectRef idx="0">
-            <a:schemeClr val="accent1"/>
-          </a:effectRef>
-          <a:fontRef idx="minor">
-            <a:schemeClr val="lt1"/>
-          </a:fontRef>
-        </p:style>
-        <p:txBody>
-          <a:bodyPr rtlCol="0" anchor="ctr"/>
-          <a:lstStyle/>
-          <a:p>
-            <a:pPr algn="ctr"/>
-            <a:endParaRPr lang="en-US" sz="2700"/>
-          </a:p>
-        </p:txBody>
-      </p:sp>
-      <p:pic>
-        <p:nvPicPr>
-          <p:cNvPr id="2" name="Picture 1">
-            <a:extLst>
-              <a:ext uri="{FF2B5EF4-FFF2-40B4-BE49-F238E27FC236}">
-                <a16:creationId xmlns:a16="http://schemas.microsoft.com/office/drawing/2014/main" id="{EBD18E09-E000-229F-A637-05EF0B5D1162}"/>
-              </a:ext>
-            </a:extLst>
-          </p:cNvPr>
-          <p:cNvPicPr>
-            <a:picLocks noChangeAspect="1"/>
-          </p:cNvPicPr>
-          <p:nvPr/>
-        </p:nvPicPr>
-        <p:blipFill rotWithShape="1">
-          <a:blip r:embed="rId3">
-            <a:extLst>
-              <a:ext uri="{28A0092B-C50C-407E-A947-70E740481C1C}">
-                <a14:useLocalDpi xmlns:a14="http://schemas.microsoft.com/office/drawing/2010/main" val="0"/>
-              </a:ext>
-            </a:extLst>
-          </a:blip>
-          <a:srcRect l="69227" t="33418" r="20112" b="50548"/>
-          <a:stretch/>
-        </p:blipFill>
-        <p:spPr>
-          <a:xfrm>
-            <a:off x="15579524" y="7544693"/>
-            <a:ext cx="2708477" cy="2987579"/>
-          </a:xfrm>
-          <a:prstGeom prst="rect">
-            <a:avLst/>
-          </a:prstGeom>
-        </p:spPr>
-      </p:pic>
-      <p:sp>
-        <p:nvSpPr>
-          <p:cNvPr id="3" name="TextBox 2">
-            <a:extLst>
-              <a:ext uri="{FF2B5EF4-FFF2-40B4-BE49-F238E27FC236}">
-                <a16:creationId xmlns:a16="http://schemas.microsoft.com/office/drawing/2014/main" id="{8EFCBB0D-A4EB-2FCE-A90E-3128C6AA641C}"/>
-              </a:ext>
-            </a:extLst>
-          </p:cNvPr>
-          <p:cNvSpPr txBox="1"/>
-          <p:nvPr/>
-        </p:nvSpPr>
-        <p:spPr>
-          <a:xfrm>
-            <a:off x="260431" y="329879"/>
-            <a:ext cx="8906720" cy="5200911"/>
-          </a:xfrm>
-          <a:prstGeom prst="rect">
-            <a:avLst/>
-          </a:prstGeom>
-          <a:noFill/>
-        </p:spPr>
-        <p:txBody>
-          <a:bodyPr wrap="square" rtlCol="0">
-            <a:spAutoFit/>
-          </a:bodyPr>
-          <a:lstStyle/>
-          <a:p>
-            <a:r>
-              <a:rPr lang="en-US" sz="6000" b="1" dirty="0">
-                <a:solidFill>
-                  <a:srgbClr val="CF3338"/>
-                </a:solidFill>
-                <a:latin typeface="Pragmatica" panose="020B0403040502020204" pitchFamily="34" charset="0"/>
-              </a:rPr>
-              <a:t>Resource: stringfestanalytics.com</a:t>
-            </a:r>
-          </a:p>
-          <a:p>
-            <a:endParaRPr lang="en-US" sz="6000" b="1" dirty="0">
-              <a:solidFill>
-                <a:srgbClr val="CF3338"/>
-              </a:solidFill>
-              <a:latin typeface="Pragmatica" panose="020B0403040502020204" pitchFamily="34" charset="0"/>
-            </a:endParaRPr>
-          </a:p>
-          <a:p>
-            <a:pPr marL="714375" indent="-571500">
-              <a:lnSpc>
-                <a:spcPct val="115000"/>
-              </a:lnSpc>
-              <a:spcBef>
-                <a:spcPts val="1125"/>
-              </a:spcBef>
-              <a:buClr>
-                <a:srgbClr val="C00000"/>
-              </a:buClr>
-              <a:buSzPts val="2100"/>
-              <a:buFont typeface="Arial" panose="020B0604020202020204" pitchFamily="34" charset="0"/>
-              <a:buChar char="•"/>
-            </a:pPr>
-            <a:r>
-              <a:rPr lang="en-US" sz="3600" dirty="0">
-                <a:solidFill>
-                  <a:srgbClr val="C00000"/>
-                </a:solidFill>
-                <a:latin typeface="Pragmatica" panose="020B0403040502020204"/>
-                <a:sym typeface="Consolas"/>
-              </a:rPr>
-              <a:t>Subscribe for updates &amp; access to my data analytics learning resource library</a:t>
-            </a:r>
-          </a:p>
-          <a:p>
-            <a:endParaRPr lang="en-US" sz="6000" dirty="0">
-              <a:solidFill>
-                <a:srgbClr val="CF3338"/>
-              </a:solidFill>
-              <a:latin typeface="Pragmatica" panose="020B0403040502020204" pitchFamily="34" charset="0"/>
-            </a:endParaRPr>
-          </a:p>
-        </p:txBody>
-      </p:sp>
-    </p:spTree>
-    <p:extLst>
-      <p:ext uri="{BB962C8B-B14F-4D97-AF65-F5344CB8AC3E}">
-        <p14:creationId xmlns:p14="http://schemas.microsoft.com/office/powerpoint/2010/main" val="1994395854"/>
-      </p:ext>
-    </p:extLst>
-  </p:cSld>
-  <p:clrMapOvr>
-    <a:masterClrMapping/>
-  </p:clrMapOvr>
-</p:sld>
-</file>
-
-<file path=ppt/slides/slide18.xml><?xml version="1.0" encoding="utf-8"?>
-<p:sld xmlns:a="http://schemas.openxmlformats.org/drawingml/2006/main" xmlns:r="http://schemas.openxmlformats.org/officeDocument/2006/relationships" xmlns:p="http://schemas.openxmlformats.org/presentationml/2006/main">
-  <p:cSld>
-    <p:spTree>
-      <p:nvGrpSpPr>
-        <p:cNvPr id="1" name="">
-          <a:extLst>
-            <a:ext uri="{FF2B5EF4-FFF2-40B4-BE49-F238E27FC236}">
-              <a16:creationId xmlns:a16="http://schemas.microsoft.com/office/drawing/2014/main" id="{E85323C9-D5F7-C820-78B9-E169BDF2311C}"/>
-            </a:ext>
-          </a:extLst>
-        </p:cNvPr>
-        <p:cNvGrpSpPr/>
-        <p:nvPr/>
-      </p:nvGrpSpPr>
-      <p:grpSpPr>
-        <a:xfrm>
-          <a:off x="0" y="0"/>
-          <a:ext cx="0" cy="0"/>
-          <a:chOff x="0" y="0"/>
-          <a:chExt cx="0" cy="0"/>
-        </a:xfrm>
-      </p:grpSpPr>
-      <p:sp>
-        <p:nvSpPr>
-          <p:cNvPr id="4" name="Rectangle 3">
-            <a:extLst>
-              <a:ext uri="{FF2B5EF4-FFF2-40B4-BE49-F238E27FC236}">
-                <a16:creationId xmlns:a16="http://schemas.microsoft.com/office/drawing/2014/main" id="{28971779-1F50-1702-DEC1-87CD482189F0}"/>
-              </a:ext>
-            </a:extLst>
-          </p:cNvPr>
-          <p:cNvSpPr/>
-          <p:nvPr/>
-        </p:nvSpPr>
-        <p:spPr>
-          <a:xfrm>
-            <a:off x="0" y="0"/>
-            <a:ext cx="18288000" cy="10287000"/>
-          </a:xfrm>
-          <a:prstGeom prst="rect">
-            <a:avLst/>
-          </a:prstGeom>
-          <a:solidFill>
-            <a:srgbClr val="CF3338"/>
-          </a:solidFill>
-          <a:ln>
-            <a:noFill/>
-          </a:ln>
-        </p:spPr>
-        <p:style>
-          <a:lnRef idx="2">
-            <a:schemeClr val="accent1">
-              <a:shade val="50000"/>
-            </a:schemeClr>
-          </a:lnRef>
-          <a:fillRef idx="1">
-            <a:schemeClr val="accent1"/>
-          </a:fillRef>
-          <a:effectRef idx="0">
-            <a:schemeClr val="accent1"/>
-          </a:effectRef>
-          <a:fontRef idx="minor">
-            <a:schemeClr val="lt1"/>
-          </a:fontRef>
-        </p:style>
-        <p:txBody>
-          <a:bodyPr rtlCol="0" anchor="ctr"/>
-          <a:lstStyle/>
-          <a:p>
-            <a:pPr algn="ctr"/>
-            <a:endParaRPr lang="en-US" sz="2700"/>
-          </a:p>
-        </p:txBody>
-      </p:sp>
-      <p:sp>
-        <p:nvSpPr>
-          <p:cNvPr id="5" name="TextBox 4">
-            <a:extLst>
-              <a:ext uri="{FF2B5EF4-FFF2-40B4-BE49-F238E27FC236}">
-                <a16:creationId xmlns:a16="http://schemas.microsoft.com/office/drawing/2014/main" id="{5ECC4C7B-C529-5329-03AC-796804551DC1}"/>
-              </a:ext>
-            </a:extLst>
-          </p:cNvPr>
-          <p:cNvSpPr txBox="1"/>
-          <p:nvPr/>
-        </p:nvSpPr>
-        <p:spPr>
-          <a:xfrm>
-            <a:off x="781292" y="590309"/>
-            <a:ext cx="15486926" cy="1615827"/>
-          </a:xfrm>
-          <a:prstGeom prst="rect">
-            <a:avLst/>
-          </a:prstGeom>
-          <a:noFill/>
-        </p:spPr>
-        <p:txBody>
-          <a:bodyPr wrap="square" rtlCol="0">
-            <a:spAutoFit/>
-          </a:bodyPr>
-          <a:lstStyle/>
-          <a:p>
-            <a:r>
-              <a:rPr lang="en-US" sz="9900" b="1" dirty="0">
-                <a:solidFill>
-                  <a:schemeClr val="bg1"/>
-                </a:solidFill>
-                <a:latin typeface="Normafixed Tryout" panose="00000409000000000000" pitchFamily="49" charset="0"/>
-              </a:rPr>
-              <a:t>Thank you</a:t>
-            </a:r>
-          </a:p>
-        </p:txBody>
-      </p:sp>
-    </p:spTree>
-    <p:extLst>
-      <p:ext uri="{BB962C8B-B14F-4D97-AF65-F5344CB8AC3E}">
-        <p14:creationId xmlns:p14="http://schemas.microsoft.com/office/powerpoint/2010/main" val="657829062"/>
       </p:ext>
     </p:extLst>
   </p:cSld>
@@ -7048,7 +4335,7 @@
         <p:spPr>
           <a:xfrm>
             <a:off x="520861" y="3191948"/>
-            <a:ext cx="14393120" cy="1384995"/>
+            <a:ext cx="14393120" cy="2031325"/>
           </a:xfrm>
           <a:prstGeom prst="rect">
             <a:avLst/>
@@ -7075,16 +4362,7 @@
                 </a:solidFill>
                 <a:latin typeface="Pragmatica" panose="020B0403040502020204" pitchFamily="34" charset="0"/>
               </a:rPr>
-              <a:t>Power Query vs </a:t>
-            </a:r>
-            <a:r>
-              <a:rPr lang="en-US" sz="4200">
-                <a:solidFill>
-                  <a:srgbClr val="707070"/>
-                </a:solidFill>
-                <a:latin typeface="Pragmatica" panose="020B0403040502020204" pitchFamily="34" charset="0"/>
-              </a:rPr>
-              <a:t>Power Automate</a:t>
+              <a:t>Build your first Power Automate workflow for Excel</a:t>
             </a:r>
           </a:p>
           <a:p>
@@ -7095,12 +4373,48 @@
               <a:buFont typeface="Arial" panose="020B0604020202020204" pitchFamily="34" charset="0"/>
               <a:buChar char="•"/>
             </a:pPr>
+            <a:r>
+              <a:rPr lang="en-US" sz="4200" dirty="0">
+                <a:solidFill>
+                  <a:srgbClr val="707070"/>
+                </a:solidFill>
+                <a:latin typeface="Pragmatica" panose="020B0403040502020204" pitchFamily="34" charset="0"/>
+              </a:rPr>
+              <a:t>Reformat the flow’s output with Power </a:t>
+            </a:r>
+            <a:r>
+              <a:rPr lang="en-US" sz="4200" dirty="0" err="1">
+                <a:solidFill>
+                  <a:srgbClr val="707070"/>
+                </a:solidFill>
+                <a:latin typeface="Pragmatica" panose="020B0403040502020204" pitchFamily="34" charset="0"/>
+              </a:rPr>
+              <a:t>Fx</a:t>
+            </a:r>
             <a:endParaRPr lang="en-US" sz="4200" dirty="0">
               <a:solidFill>
                 <a:srgbClr val="707070"/>
               </a:solidFill>
               <a:latin typeface="Pragmatica" panose="020B0403040502020204" pitchFamily="34" charset="0"/>
             </a:endParaRPr>
+          </a:p>
+          <a:p>
+            <a:pPr marL="685800" indent="-685800">
+              <a:buClr>
+                <a:srgbClr val="CF3338"/>
+              </a:buClr>
+              <a:buFont typeface="Arial" panose="020B0604020202020204" pitchFamily="34" charset="0"/>
+              <a:buChar char="•"/>
+            </a:pPr>
+            <a:r>
+              <a:rPr lang="en-US" sz="4200" dirty="0">
+                <a:solidFill>
+                  <a:srgbClr val="707070"/>
+                </a:solidFill>
+                <a:latin typeface="Pragmatica" panose="020B0403040502020204" pitchFamily="34" charset="0"/>
+              </a:rPr>
+              <a:t>Getting help building flows with Copilot</a:t>
+            </a:r>
           </a:p>
         </p:txBody>
       </p:sp>
@@ -7158,297 +4472,6 @@
   <p:cSld>
     <p:spTree>
       <p:nvGrpSpPr>
-        <p:cNvPr id="1" name="">
-          <a:extLst>
-            <a:ext uri="{FF2B5EF4-FFF2-40B4-BE49-F238E27FC236}">
-              <a16:creationId xmlns:a16="http://schemas.microsoft.com/office/drawing/2014/main" id="{262CB556-62C3-8AC1-A298-150264C79E48}"/>
-            </a:ext>
-          </a:extLst>
-        </p:cNvPr>
-        <p:cNvGrpSpPr/>
-        <p:nvPr/>
-      </p:nvGrpSpPr>
-      <p:grpSpPr>
-        <a:xfrm>
-          <a:off x="0" y="0"/>
-          <a:ext cx="0" cy="0"/>
-          <a:chOff x="0" y="0"/>
-          <a:chExt cx="0" cy="0"/>
-        </a:xfrm>
-      </p:grpSpPr>
-      <p:sp>
-        <p:nvSpPr>
-          <p:cNvPr id="11" name="TextBox 10">
-            <a:extLst>
-              <a:ext uri="{FF2B5EF4-FFF2-40B4-BE49-F238E27FC236}">
-                <a16:creationId xmlns:a16="http://schemas.microsoft.com/office/drawing/2014/main" id="{4ABDD970-A664-3A74-2339-85C734635D8E}"/>
-              </a:ext>
-            </a:extLst>
-          </p:cNvPr>
-          <p:cNvSpPr txBox="1"/>
-          <p:nvPr/>
-        </p:nvSpPr>
-        <p:spPr>
-          <a:xfrm>
-            <a:off x="520861" y="170082"/>
-            <a:ext cx="11979797" cy="2862322"/>
-          </a:xfrm>
-          <a:prstGeom prst="rect">
-            <a:avLst/>
-          </a:prstGeom>
-          <a:noFill/>
-        </p:spPr>
-        <p:txBody>
-          <a:bodyPr wrap="square" rtlCol="0">
-            <a:spAutoFit/>
-          </a:bodyPr>
-          <a:lstStyle/>
-          <a:p>
-            <a:r>
-              <a:rPr lang="en-US" sz="9000" dirty="0">
-                <a:latin typeface="Aliens &amp; cows" panose="00000500000000000000" pitchFamily="2" charset="0"/>
-              </a:rPr>
-              <a:t>Power Automate licensing</a:t>
-            </a:r>
-          </a:p>
-        </p:txBody>
-      </p:sp>
-      <p:sp>
-        <p:nvSpPr>
-          <p:cNvPr id="3" name="TextBox 2">
-            <a:extLst>
-              <a:ext uri="{FF2B5EF4-FFF2-40B4-BE49-F238E27FC236}">
-                <a16:creationId xmlns:a16="http://schemas.microsoft.com/office/drawing/2014/main" id="{AAB3B98D-D434-3F3E-4404-0E1CA843B917}"/>
-              </a:ext>
-            </a:extLst>
-          </p:cNvPr>
-          <p:cNvSpPr txBox="1"/>
-          <p:nvPr/>
-        </p:nvSpPr>
-        <p:spPr>
-          <a:xfrm>
-            <a:off x="520861" y="3191948"/>
-            <a:ext cx="14393120" cy="2031325"/>
-          </a:xfrm>
-          <a:prstGeom prst="rect">
-            <a:avLst/>
-          </a:prstGeom>
-          <a:noFill/>
-        </p:spPr>
-        <p:txBody>
-          <a:bodyPr wrap="square" rtlCol="0">
-            <a:spAutoFit/>
-          </a:bodyPr>
-          <a:lstStyle/>
-          <a:p>
-            <a:pPr marL="685800" indent="-685800">
-              <a:buClr>
-                <a:srgbClr val="CF3338"/>
-              </a:buClr>
-              <a:buFont typeface="Arial" panose="020B0604020202020204" pitchFamily="34" charset="0"/>
-              <a:buChar char="•"/>
-            </a:pPr>
-            <a:r>
-              <a:rPr lang="en-US" sz="4200" dirty="0">
-                <a:solidFill>
-                  <a:srgbClr val="707070"/>
-                </a:solidFill>
-                <a:latin typeface="Pragmatica" panose="020B0403040502020204" pitchFamily="34" charset="0"/>
-              </a:rPr>
-              <a:t>Follow along with the Power Apps Developer Plan: </a:t>
-            </a:r>
-            <a:r>
-              <a:rPr lang="en-US" sz="4200" dirty="0">
-                <a:solidFill>
-                  <a:srgbClr val="CF3338"/>
-                </a:solidFill>
-                <a:latin typeface="Pragmatica" panose="020B0403040502020204" pitchFamily="34" charset="0"/>
-                <a:hlinkClick r:id="rId2">
-                  <a:extLst>
-                    <a:ext uri="{A12FA001-AC4F-418D-AE19-62706E023703}">
-                      <ahyp:hlinkClr xmlns:ahyp="http://schemas.microsoft.com/office/drawing/2018/hyperlinkcolor" val="tx"/>
-                    </a:ext>
-                  </a:extLst>
-                </a:hlinkClick>
-              </a:rPr>
-              <a:t>https://learn.microsoft.com/en-us/power-platform/developer/plan</a:t>
-            </a:r>
-            <a:r>
-              <a:rPr lang="en-US" sz="4200" dirty="0">
-                <a:solidFill>
-                  <a:srgbClr val="CF3338"/>
-                </a:solidFill>
-                <a:latin typeface="Pragmatica" panose="020B0403040502020204" pitchFamily="34" charset="0"/>
-              </a:rPr>
-              <a:t> </a:t>
-            </a:r>
-          </a:p>
-        </p:txBody>
-      </p:sp>
-      <p:pic>
-        <p:nvPicPr>
-          <p:cNvPr id="15" name="Picture 14" descr="A close up of a sign&#10;&#10;Description automatically generated">
-            <a:extLst>
-              <a:ext uri="{FF2B5EF4-FFF2-40B4-BE49-F238E27FC236}">
-                <a16:creationId xmlns:a16="http://schemas.microsoft.com/office/drawing/2014/main" id="{3F8464F8-3CAF-80A6-CD27-E9BA6469F8A4}"/>
-              </a:ext>
-            </a:extLst>
-          </p:cNvPr>
-          <p:cNvPicPr>
-            <a:picLocks noChangeAspect="1"/>
-          </p:cNvPicPr>
-          <p:nvPr/>
-        </p:nvPicPr>
-        <p:blipFill>
-          <a:blip r:embed="rId3">
-            <a:extLst>
-              <a:ext uri="{28A0092B-C50C-407E-A947-70E740481C1C}">
-                <a14:useLocalDpi xmlns:a14="http://schemas.microsoft.com/office/drawing/2010/main" val="0"/>
-              </a:ext>
-            </a:extLst>
-          </a:blip>
-          <a:stretch>
-            <a:fillRect/>
-          </a:stretch>
-        </p:blipFill>
-        <p:spPr>
-          <a:xfrm>
-            <a:off x="16341036" y="8058429"/>
-            <a:ext cx="1942857" cy="2228571"/>
-          </a:xfrm>
-          <a:prstGeom prst="rect">
-            <a:avLst/>
-          </a:prstGeom>
-        </p:spPr>
-      </p:pic>
-    </p:spTree>
-    <p:extLst>
-      <p:ext uri="{BB962C8B-B14F-4D97-AF65-F5344CB8AC3E}">
-        <p14:creationId xmlns:p14="http://schemas.microsoft.com/office/powerpoint/2010/main" val="3317687486"/>
-      </p:ext>
-    </p:extLst>
-  </p:cSld>
-  <p:clrMapOvr>
-    <a:masterClrMapping/>
-  </p:clrMapOvr>
-</p:sld>
-</file>
-
-<file path=ppt/slides/slide5.xml><?xml version="1.0" encoding="utf-8"?>
-<p:sld xmlns:a="http://schemas.openxmlformats.org/drawingml/2006/main" xmlns:r="http://schemas.openxmlformats.org/officeDocument/2006/relationships" xmlns:p="http://schemas.openxmlformats.org/presentationml/2006/main">
-  <p:cSld>
-    <p:spTree>
-      <p:nvGrpSpPr>
-        <p:cNvPr id="1" name=""/>
-        <p:cNvGrpSpPr/>
-        <p:nvPr/>
-      </p:nvGrpSpPr>
-      <p:grpSpPr>
-        <a:xfrm>
-          <a:off x="0" y="0"/>
-          <a:ext cx="0" cy="0"/>
-          <a:chOff x="0" y="0"/>
-          <a:chExt cx="0" cy="0"/>
-        </a:xfrm>
-      </p:grpSpPr>
-      <p:sp>
-        <p:nvSpPr>
-          <p:cNvPr id="4" name="Rectangle 3"/>
-          <p:cNvSpPr/>
-          <p:nvPr/>
-        </p:nvSpPr>
-        <p:spPr>
-          <a:xfrm>
-            <a:off x="0" y="0"/>
-            <a:ext cx="18288000" cy="10287000"/>
-          </a:xfrm>
-          <a:prstGeom prst="rect">
-            <a:avLst/>
-          </a:prstGeom>
-          <a:solidFill>
-            <a:srgbClr val="CF3338"/>
-          </a:solidFill>
-          <a:ln>
-            <a:noFill/>
-          </a:ln>
-        </p:spPr>
-        <p:style>
-          <a:lnRef idx="2">
-            <a:schemeClr val="accent1">
-              <a:shade val="50000"/>
-            </a:schemeClr>
-          </a:lnRef>
-          <a:fillRef idx="1">
-            <a:schemeClr val="accent1"/>
-          </a:fillRef>
-          <a:effectRef idx="0">
-            <a:schemeClr val="accent1"/>
-          </a:effectRef>
-          <a:fontRef idx="minor">
-            <a:schemeClr val="lt1"/>
-          </a:fontRef>
-        </p:style>
-        <p:txBody>
-          <a:bodyPr rtlCol="0" anchor="ctr"/>
-          <a:lstStyle/>
-          <a:p>
-            <a:pPr algn="ctr"/>
-            <a:endParaRPr lang="en-US" sz="2700"/>
-          </a:p>
-        </p:txBody>
-      </p:sp>
-      <p:sp>
-        <p:nvSpPr>
-          <p:cNvPr id="5" name="TextBox 4"/>
-          <p:cNvSpPr txBox="1"/>
-          <p:nvPr/>
-        </p:nvSpPr>
-        <p:spPr>
-          <a:xfrm>
-            <a:off x="781292" y="590309"/>
-            <a:ext cx="15486926" cy="3139321"/>
-          </a:xfrm>
-          <a:prstGeom prst="rect">
-            <a:avLst/>
-          </a:prstGeom>
-          <a:noFill/>
-        </p:spPr>
-        <p:txBody>
-          <a:bodyPr wrap="square" rtlCol="0">
-            <a:spAutoFit/>
-          </a:bodyPr>
-          <a:lstStyle/>
-          <a:p>
-            <a:r>
-              <a:rPr lang="en-US" sz="9900" b="1" dirty="0">
-                <a:solidFill>
-                  <a:schemeClr val="bg1"/>
-                </a:solidFill>
-                <a:latin typeface="Normafixed Tryout" panose="00000409000000000000" pitchFamily="49" charset="0"/>
-              </a:rPr>
-              <a:t>1. Synthetic data simulation with Faker</a:t>
-            </a:r>
-          </a:p>
-        </p:txBody>
-      </p:sp>
-    </p:spTree>
-    <p:extLst>
-      <p:ext uri="{BB962C8B-B14F-4D97-AF65-F5344CB8AC3E}">
-        <p14:creationId xmlns:p14="http://schemas.microsoft.com/office/powerpoint/2010/main" val="3953945792"/>
-      </p:ext>
-    </p:extLst>
-  </p:cSld>
-  <p:clrMapOvr>
-    <a:masterClrMapping/>
-  </p:clrMapOvr>
-</p:sld>
-</file>
-
-<file path=ppt/slides/slide6.xml><?xml version="1.0" encoding="utf-8"?>
-<p:sld xmlns:a="http://schemas.openxmlformats.org/drawingml/2006/main" xmlns:r="http://schemas.openxmlformats.org/officeDocument/2006/relationships" xmlns:p="http://schemas.openxmlformats.org/presentationml/2006/main">
-  <p:cSld>
-    <p:spTree>
-      <p:nvGrpSpPr>
         <p:cNvPr id="1" name=""/>
         <p:cNvGrpSpPr/>
         <p:nvPr/>
@@ -7545,7 +4568,7 @@
         <p:spPr>
           <a:xfrm>
             <a:off x="260431" y="329879"/>
-            <a:ext cx="8906720" cy="6480236"/>
+            <a:ext cx="8906720" cy="4881721"/>
           </a:xfrm>
           <a:prstGeom prst="rect">
             <a:avLst/>
@@ -7565,7 +4588,7 @@
                 </a:solidFill>
                 <a:latin typeface="Pragmatica" panose="020B0403040502020204" pitchFamily="34" charset="0"/>
               </a:rPr>
-              <a:t>Synthetic data simulation with Faker</a:t>
+              <a:t>First flow with Power Automate</a:t>
             </a:r>
           </a:p>
           <a:p>
@@ -7599,7 +4622,7 @@
                 <a:latin typeface="Pragmatica" panose="020B0403040502020204"/>
                 <a:sym typeface="Consolas"/>
               </a:rPr>
-              <a:t>Creating synthetic cells, ranges &amp; tables with categorical &amp; quantitative data</a:t>
+              <a:t>Use Power Automate templates for Excel</a:t>
             </a:r>
           </a:p>
           <a:p>
@@ -7625,7 +4648,7 @@
                 <a:latin typeface="Pragmatica" panose="020B0403040502020204"/>
                 <a:sym typeface="Consolas"/>
               </a:rPr>
-              <a:t>Setting the seed for reproducibility</a:t>
+              <a:t>Create clock in/clock out workflow</a:t>
             </a:r>
           </a:p>
           <a:p>
@@ -7659,22 +4682,8 @@
                 <a:latin typeface="Consolas" panose="020B0609020204030204" pitchFamily="49" charset="0"/>
                 <a:sym typeface="Consolas"/>
               </a:rPr>
-              <a:t>monte-carlo-demos.xlsx</a:t>
-            </a:r>
-            <a:endParaRPr lang="en-US" sz="6000" dirty="0">
-              <a:solidFill>
-                <a:srgbClr val="CF3338"/>
-              </a:solidFill>
-              <a:latin typeface="Consolas" panose="020B0609020204030204" pitchFamily="49" charset="0"/>
-            </a:endParaRPr>
-          </a:p>
-          <a:p>
-            <a:endParaRPr lang="en-US" sz="6000" dirty="0">
-              <a:solidFill>
-                <a:srgbClr val="CF3338"/>
-              </a:solidFill>
-              <a:latin typeface="Pragmatica" panose="020B0403040502020204" pitchFamily="34" charset="0"/>
-            </a:endParaRPr>
+              <a:t>first-flow.xlsx</a:t>
+            </a:r>
           </a:p>
         </p:txBody>
       </p:sp>
@@ -7691,7 +4700,7 @@
 </p:sld>
 </file>
 
-<file path=ppt/slides/slide7.xml><?xml version="1.0" encoding="utf-8"?>
+<file path=ppt/slides/slide5.xml><?xml version="1.0" encoding="utf-8"?>
 <p:sld xmlns:a="http://schemas.openxmlformats.org/drawingml/2006/main" xmlns:r="http://schemas.openxmlformats.org/officeDocument/2006/relationships" xmlns:p="http://schemas.openxmlformats.org/presentationml/2006/main">
   <p:cSld>
     <p:spTree>
@@ -7792,7 +4801,7 @@
         <p:spPr>
           <a:xfrm>
             <a:off x="260431" y="329879"/>
-            <a:ext cx="8906720" cy="10052495"/>
+            <a:ext cx="8906720" cy="6936322"/>
           </a:xfrm>
           <a:prstGeom prst="rect">
             <a:avLst/>
@@ -7812,8 +4821,23 @@
                 </a:solidFill>
                 <a:latin typeface="Pragmatica" panose="020B0403040502020204" pitchFamily="34" charset="0"/>
               </a:rPr>
-              <a:t>Synthetic data simulation with Faker EXERCISE</a:t>
-            </a:r>
+              <a:t>Customizing outputs with Power </a:t>
+            </a:r>
+            <a:r>
+              <a:rPr lang="en-US" sz="6000" b="1" dirty="0" err="1">
+                <a:solidFill>
+                  <a:srgbClr val="CF3338"/>
+                </a:solidFill>
+                <a:latin typeface="Pragmatica" panose="020B0403040502020204" pitchFamily="34" charset="0"/>
+              </a:rPr>
+              <a:t>Fx</a:t>
+            </a:r>
+            <a:endParaRPr lang="en-US" sz="6000" b="1" dirty="0">
+              <a:solidFill>
+                <a:srgbClr val="CF3338"/>
+              </a:solidFill>
+              <a:latin typeface="Pragmatica" panose="020B0403040502020204" pitchFamily="34" charset="0"/>
+            </a:endParaRPr>
           </a:p>
           <a:p>
             <a:endParaRPr lang="en-US" sz="4200" dirty="0">
@@ -7847,31 +4871,7 @@
                 <a:ea typeface="Aptos" panose="020B0004020202020204" pitchFamily="34" charset="0"/>
                 <a:cs typeface="Times New Roman" panose="02020603050405020304" pitchFamily="18" charset="0"/>
               </a:rPr>
-              <a:t>Generate 5 random email addresses (</a:t>
-            </a:r>
-            <a:r>
-              <a:rPr lang="en-US" sz="3200" kern="100" dirty="0" err="1">
-                <a:solidFill>
-                  <a:srgbClr val="CF3338"/>
-                </a:solidFill>
-                <a:effectLst/>
-                <a:latin typeface="Pragmatica" panose="020B0403040502020204"/>
-                <a:ea typeface="Aptos" panose="020B0004020202020204" pitchFamily="34" charset="0"/>
-                <a:cs typeface="Times New Roman" panose="02020603050405020304" pitchFamily="18" charset="0"/>
-              </a:rPr>
-              <a:t>fake.email</a:t>
-            </a:r>
-            <a:r>
-              <a:rPr lang="en-US" sz="3200" kern="100" dirty="0">
-                <a:solidFill>
-                  <a:srgbClr val="CF3338"/>
-                </a:solidFill>
-                <a:effectLst/>
-                <a:latin typeface="Pragmatica" panose="020B0403040502020204"/>
-                <a:ea typeface="Aptos" panose="020B0004020202020204" pitchFamily="34" charset="0"/>
-                <a:cs typeface="Times New Roman" panose="02020603050405020304" pitchFamily="18" charset="0"/>
-              </a:rPr>
-              <a:t>())</a:t>
+              <a:t>Continue with the previous example</a:t>
             </a:r>
           </a:p>
           <a:p>
@@ -7893,37 +4893,222 @@
                 <a:solidFill>
                   <a:srgbClr val="CF3338"/>
                 </a:solidFill>
-                <a:effectLst/>
                 <a:latin typeface="Pragmatica" panose="020B0403040502020204"/>
                 <a:ea typeface="Aptos" panose="020B0004020202020204" pitchFamily="34" charset="0"/>
                 <a:cs typeface="Times New Roman" panose="02020603050405020304" pitchFamily="18" charset="0"/>
               </a:rPr>
-              <a:t>Generate 3 random city names (</a:t>
-            </a:r>
-            <a:r>
-              <a:rPr lang="en-US" sz="3200" kern="100" dirty="0" err="1">
+              <a:t>How can we improve appearance of outputs in Excel? </a:t>
+            </a:r>
+            <a:endParaRPr lang="en-US" sz="3200" kern="100" dirty="0">
+              <a:solidFill>
+                <a:srgbClr val="CF3338"/>
+              </a:solidFill>
+              <a:effectLst/>
+              <a:latin typeface="Pragmatica" panose="020B0403040502020204"/>
+              <a:ea typeface="Aptos" panose="020B0004020202020204" pitchFamily="34" charset="0"/>
+              <a:cs typeface="Times New Roman" panose="02020603050405020304" pitchFamily="18" charset="0"/>
+            </a:endParaRPr>
+          </a:p>
+          <a:p>
+            <a:pPr marL="142875">
+              <a:lnSpc>
+                <a:spcPct val="115000"/>
+              </a:lnSpc>
+              <a:spcBef>
+                <a:spcPts val="1125"/>
+              </a:spcBef>
+              <a:buClr>
+                <a:srgbClr val="C00000"/>
+              </a:buClr>
+              <a:buSzPts val="2100"/>
+            </a:pPr>
+            <a:r>
+              <a:rPr lang="en-US" sz="3600" dirty="0">
+                <a:solidFill>
+                  <a:srgbClr val="C00000"/>
+                </a:solidFill>
+                <a:latin typeface="Pragmatica" panose="020B0403040502020204"/>
+                <a:sym typeface="Consolas"/>
+              </a:rPr>
+              <a:t>Resource: https://stringfestanalytics.com/power-automate-for-excel-how-to-understand-the-power-fx-programming-language/</a:t>
+            </a:r>
+            <a:endParaRPr lang="en-US" sz="6000" dirty="0">
+              <a:solidFill>
+                <a:srgbClr val="CF3338"/>
+              </a:solidFill>
+              <a:latin typeface="Pragmatica" panose="020B0403040502020204"/>
+            </a:endParaRPr>
+          </a:p>
+        </p:txBody>
+      </p:sp>
+    </p:spTree>
+    <p:extLst>
+      <p:ext uri="{BB962C8B-B14F-4D97-AF65-F5344CB8AC3E}">
+        <p14:creationId xmlns:p14="http://schemas.microsoft.com/office/powerpoint/2010/main" val="1679221718"/>
+      </p:ext>
+    </p:extLst>
+  </p:cSld>
+  <p:clrMapOvr>
+    <a:masterClrMapping/>
+  </p:clrMapOvr>
+</p:sld>
+</file>
+
+<file path=ppt/slides/slide6.xml><?xml version="1.0" encoding="utf-8"?>
+<p:sld xmlns:a="http://schemas.openxmlformats.org/drawingml/2006/main" xmlns:r="http://schemas.openxmlformats.org/officeDocument/2006/relationships" xmlns:p="http://schemas.openxmlformats.org/presentationml/2006/main">
+  <p:cSld>
+    <p:spTree>
+      <p:nvGrpSpPr>
+        <p:cNvPr id="1" name="">
+          <a:extLst>
+            <a:ext uri="{FF2B5EF4-FFF2-40B4-BE49-F238E27FC236}">
+              <a16:creationId xmlns:a16="http://schemas.microsoft.com/office/drawing/2014/main" id="{FC0679BB-E487-A9E3-1278-DBD7FB7F19FE}"/>
+            </a:ext>
+          </a:extLst>
+        </p:cNvPr>
+        <p:cNvGrpSpPr/>
+        <p:nvPr/>
+      </p:nvGrpSpPr>
+      <p:grpSpPr>
+        <a:xfrm>
+          <a:off x="0" y="0"/>
+          <a:ext cx="0" cy="0"/>
+          <a:chOff x="0" y="0"/>
+          <a:chExt cx="0" cy="0"/>
+        </a:xfrm>
+      </p:grpSpPr>
+      <p:sp>
+        <p:nvSpPr>
+          <p:cNvPr id="4" name="Rectangle 3">
+            <a:extLst>
+              <a:ext uri="{FF2B5EF4-FFF2-40B4-BE49-F238E27FC236}">
+                <a16:creationId xmlns:a16="http://schemas.microsoft.com/office/drawing/2014/main" id="{4B8E3D40-A823-8428-6682-B724027EAF41}"/>
+              </a:ext>
+            </a:extLst>
+          </p:cNvPr>
+          <p:cNvSpPr/>
+          <p:nvPr/>
+        </p:nvSpPr>
+        <p:spPr>
+          <a:xfrm>
+            <a:off x="9861630" y="0"/>
+            <a:ext cx="8426370" cy="10287000"/>
+          </a:xfrm>
+          <a:prstGeom prst="rect">
+            <a:avLst/>
+          </a:prstGeom>
+          <a:solidFill>
+            <a:srgbClr val="CF3338"/>
+          </a:solidFill>
+          <a:ln>
+            <a:noFill/>
+          </a:ln>
+        </p:spPr>
+        <p:style>
+          <a:lnRef idx="2">
+            <a:schemeClr val="accent1">
+              <a:shade val="50000"/>
+            </a:schemeClr>
+          </a:lnRef>
+          <a:fillRef idx="1">
+            <a:schemeClr val="accent1"/>
+          </a:fillRef>
+          <a:effectRef idx="0">
+            <a:schemeClr val="accent1"/>
+          </a:effectRef>
+          <a:fontRef idx="minor">
+            <a:schemeClr val="lt1"/>
+          </a:fontRef>
+        </p:style>
+        <p:txBody>
+          <a:bodyPr rtlCol="0" anchor="ctr"/>
+          <a:lstStyle/>
+          <a:p>
+            <a:pPr algn="ctr"/>
+            <a:endParaRPr lang="en-US" sz="2700"/>
+          </a:p>
+        </p:txBody>
+      </p:sp>
+      <p:pic>
+        <p:nvPicPr>
+          <p:cNvPr id="2" name="Picture 1">
+            <a:extLst>
+              <a:ext uri="{FF2B5EF4-FFF2-40B4-BE49-F238E27FC236}">
+                <a16:creationId xmlns:a16="http://schemas.microsoft.com/office/drawing/2014/main" id="{F524E154-15C4-0B23-E9C5-29E2DD497327}"/>
+              </a:ext>
+            </a:extLst>
+          </p:cNvPr>
+          <p:cNvPicPr>
+            <a:picLocks noChangeAspect="1"/>
+          </p:cNvPicPr>
+          <p:nvPr/>
+        </p:nvPicPr>
+        <p:blipFill rotWithShape="1">
+          <a:blip r:embed="rId3">
+            <a:extLst>
+              <a:ext uri="{28A0092B-C50C-407E-A947-70E740481C1C}">
+                <a14:useLocalDpi xmlns:a14="http://schemas.microsoft.com/office/drawing/2010/main" val="0"/>
+              </a:ext>
+            </a:extLst>
+          </a:blip>
+          <a:srcRect l="69227" t="33418" r="20112" b="50548"/>
+          <a:stretch/>
+        </p:blipFill>
+        <p:spPr>
+          <a:xfrm>
+            <a:off x="15579524" y="7544693"/>
+            <a:ext cx="2708477" cy="2987579"/>
+          </a:xfrm>
+          <a:prstGeom prst="rect">
+            <a:avLst/>
+          </a:prstGeom>
+        </p:spPr>
+      </p:pic>
+      <p:sp>
+        <p:nvSpPr>
+          <p:cNvPr id="3" name="TextBox 2">
+            <a:extLst>
+              <a:ext uri="{FF2B5EF4-FFF2-40B4-BE49-F238E27FC236}">
+                <a16:creationId xmlns:a16="http://schemas.microsoft.com/office/drawing/2014/main" id="{E1343823-9545-2632-2777-4994B59C3581}"/>
+              </a:ext>
+            </a:extLst>
+          </p:cNvPr>
+          <p:cNvSpPr txBox="1"/>
+          <p:nvPr/>
+        </p:nvSpPr>
+        <p:spPr>
+          <a:xfrm>
+            <a:off x="260431" y="329879"/>
+            <a:ext cx="8906720" cy="6791154"/>
+          </a:xfrm>
+          <a:prstGeom prst="rect">
+            <a:avLst/>
+          </a:prstGeom>
+          <a:noFill/>
+        </p:spPr>
+        <p:txBody>
+          <a:bodyPr wrap="square" rtlCol="0">
+            <a:spAutoFit/>
+          </a:bodyPr>
+          <a:lstStyle/>
+          <a:p>
+            <a:r>
+              <a:rPr lang="en-US" sz="6000" b="1" dirty="0">
                 <a:solidFill>
                   <a:srgbClr val="CF3338"/>
                 </a:solidFill>
-                <a:effectLst/>
-                <a:latin typeface="Pragmatica" panose="020B0403040502020204"/>
-                <a:ea typeface="Aptos" panose="020B0004020202020204" pitchFamily="34" charset="0"/>
-                <a:cs typeface="Times New Roman" panose="02020603050405020304" pitchFamily="18" charset="0"/>
+                <a:latin typeface="Pragmatica" panose="020B0403040502020204" pitchFamily="34" charset="0"/>
               </a:rPr>
-              <a:t>fake.city</a:t>
-            </a:r>
-            <a:r>
-              <a:rPr lang="en-US" sz="3200" kern="100" dirty="0">
-                <a:solidFill>
-                  <a:srgbClr val="CF3338"/>
-                </a:solidFill>
-                <a:effectLst/>
-                <a:latin typeface="Pragmatica" panose="020B0403040502020204"/>
-                <a:ea typeface="Aptos" panose="020B0004020202020204" pitchFamily="34" charset="0"/>
-                <a:cs typeface="Times New Roman" panose="02020603050405020304" pitchFamily="18" charset="0"/>
-              </a:rPr>
-              <a:t>())</a:t>
-            </a:r>
+              <a:t>Building flows with Copilot</a:t>
+            </a:r>
+          </a:p>
+          <a:p>
+            <a:endParaRPr lang="en-US" sz="4200" dirty="0">
+              <a:solidFill>
+                <a:srgbClr val="CF3338"/>
+              </a:solidFill>
+              <a:latin typeface="Pragmatica" panose="020B0403040502020204" pitchFamily="34" charset="0"/>
+            </a:endParaRPr>
           </a:p>
           <a:p>
             <a:pPr marL="342900" marR="0" lvl="0" indent="-342900">
@@ -7949,7 +5134,7 @@
                 <a:ea typeface="Aptos" panose="020B0004020202020204" pitchFamily="34" charset="0"/>
                 <a:cs typeface="Times New Roman" panose="02020603050405020304" pitchFamily="18" charset="0"/>
               </a:rPr>
-              <a:t>Modify your code to set a random seed </a:t>
+              <a:t>Get AI assistance to build a flow</a:t>
             </a:r>
           </a:p>
           <a:p>
@@ -7971,268 +5156,21 @@
                 <a:solidFill>
                   <a:srgbClr val="CF3338"/>
                 </a:solidFill>
-                <a:effectLst/>
                 <a:latin typeface="Pragmatica" panose="020B0403040502020204"/>
                 <a:ea typeface="Aptos" panose="020B0004020202020204" pitchFamily="34" charset="0"/>
                 <a:cs typeface="Times New Roman" panose="02020603050405020304" pitchFamily="18" charset="0"/>
               </a:rPr>
-              <a:t>Create a </a:t>
-            </a:r>
-            <a:r>
-              <a:rPr lang="en-US" sz="3200" kern="100" dirty="0" err="1">
-                <a:solidFill>
-                  <a:srgbClr val="CF3338"/>
-                </a:solidFill>
-                <a:effectLst/>
-                <a:latin typeface="Pragmatica" panose="020B0403040502020204"/>
-                <a:ea typeface="Aptos" panose="020B0004020202020204" pitchFamily="34" charset="0"/>
-                <a:cs typeface="Times New Roman" panose="02020603050405020304" pitchFamily="18" charset="0"/>
-              </a:rPr>
-              <a:t>DataFrame</a:t>
-            </a:r>
-            <a:r>
-              <a:rPr lang="en-US" sz="3200" kern="100" dirty="0">
-                <a:solidFill>
-                  <a:srgbClr val="CF3338"/>
-                </a:solidFill>
-                <a:effectLst/>
-                <a:latin typeface="Pragmatica" panose="020B0403040502020204"/>
-                <a:ea typeface="Aptos" panose="020B0004020202020204" pitchFamily="34" charset="0"/>
-                <a:cs typeface="Times New Roman" panose="02020603050405020304" pitchFamily="18" charset="0"/>
-              </a:rPr>
-              <a:t> with 10 rows of fake</a:t>
-            </a:r>
-          </a:p>
-          <a:p>
-            <a:pPr marL="742950" marR="0" lvl="1" indent="-285750">
-              <a:lnSpc>
-                <a:spcPct val="115000"/>
-              </a:lnSpc>
-              <a:spcBef>
-                <a:spcPts val="0"/>
-              </a:spcBef>
-              <a:spcAft>
-                <a:spcPts val="0"/>
-              </a:spcAft>
-              <a:buFont typeface="+mj-lt"/>
-              <a:buAutoNum type="alphaLcPeriod"/>
-            </a:pPr>
-            <a:r>
-              <a:rPr lang="en-US" sz="3200" kern="100" dirty="0">
-                <a:solidFill>
-                  <a:srgbClr val="CF3338"/>
-                </a:solidFill>
-                <a:effectLst/>
-                <a:latin typeface="Pragmatica" panose="020B0403040502020204"/>
-                <a:ea typeface="Aptos" panose="020B0004020202020204" pitchFamily="34" charset="0"/>
-                <a:cs typeface="Times New Roman" panose="02020603050405020304" pitchFamily="18" charset="0"/>
-              </a:rPr>
-              <a:t>Name (fake.name())</a:t>
-            </a:r>
-          </a:p>
-          <a:p>
-            <a:pPr marL="742950" marR="0" lvl="1" indent="-285750">
-              <a:lnSpc>
-                <a:spcPct val="115000"/>
-              </a:lnSpc>
-              <a:spcBef>
-                <a:spcPts val="0"/>
-              </a:spcBef>
-              <a:spcAft>
-                <a:spcPts val="0"/>
-              </a:spcAft>
-              <a:buFont typeface="+mj-lt"/>
-              <a:buAutoNum type="alphaLcPeriod"/>
-            </a:pPr>
-            <a:r>
-              <a:rPr lang="en-US" sz="3200" kern="100" dirty="0">
-                <a:solidFill>
-                  <a:srgbClr val="CF3338"/>
-                </a:solidFill>
-                <a:effectLst/>
-                <a:latin typeface="Pragmatica" panose="020B0403040502020204"/>
-                <a:ea typeface="Aptos" panose="020B0004020202020204" pitchFamily="34" charset="0"/>
-                <a:cs typeface="Times New Roman" panose="02020603050405020304" pitchFamily="18" charset="0"/>
-              </a:rPr>
-              <a:t>Phone number (</a:t>
-            </a:r>
-            <a:r>
-              <a:rPr lang="en-US" sz="3200" kern="100" dirty="0" err="1">
-                <a:solidFill>
-                  <a:srgbClr val="CF3338"/>
-                </a:solidFill>
-                <a:effectLst/>
-                <a:latin typeface="Pragmatica" panose="020B0403040502020204"/>
-                <a:ea typeface="Aptos" panose="020B0004020202020204" pitchFamily="34" charset="0"/>
-                <a:cs typeface="Times New Roman" panose="02020603050405020304" pitchFamily="18" charset="0"/>
-              </a:rPr>
-              <a:t>fake.phone_number</a:t>
-            </a:r>
-            <a:r>
-              <a:rPr lang="en-US" sz="3200" kern="100" dirty="0">
-                <a:solidFill>
-                  <a:srgbClr val="CF3338"/>
-                </a:solidFill>
-                <a:effectLst/>
-                <a:latin typeface="Pragmatica" panose="020B0403040502020204"/>
-                <a:ea typeface="Aptos" panose="020B0004020202020204" pitchFamily="34" charset="0"/>
-                <a:cs typeface="Times New Roman" panose="02020603050405020304" pitchFamily="18" charset="0"/>
-              </a:rPr>
-              <a:t>())</a:t>
-            </a:r>
-          </a:p>
-          <a:p>
-            <a:pPr marL="742950" marR="0" lvl="1" indent="-285750">
-              <a:lnSpc>
-                <a:spcPct val="115000"/>
-              </a:lnSpc>
-              <a:spcBef>
-                <a:spcPts val="0"/>
-              </a:spcBef>
-              <a:spcAft>
-                <a:spcPts val="0"/>
-              </a:spcAft>
-              <a:buFont typeface="+mj-lt"/>
-              <a:buAutoNum type="alphaLcPeriod"/>
-            </a:pPr>
-            <a:r>
-              <a:rPr lang="en-US" sz="3200" kern="100" dirty="0">
-                <a:solidFill>
-                  <a:srgbClr val="CF3338"/>
-                </a:solidFill>
-                <a:effectLst/>
-                <a:latin typeface="Pragmatica" panose="020B0403040502020204"/>
-                <a:ea typeface="Aptos" panose="020B0004020202020204" pitchFamily="34" charset="0"/>
-                <a:cs typeface="Times New Roman" panose="02020603050405020304" pitchFamily="18" charset="0"/>
-              </a:rPr>
-              <a:t>Company (</a:t>
-            </a:r>
-            <a:r>
-              <a:rPr lang="en-US" sz="3200" kern="100" dirty="0" err="1">
-                <a:solidFill>
-                  <a:srgbClr val="CF3338"/>
-                </a:solidFill>
-                <a:effectLst/>
-                <a:latin typeface="Pragmatica" panose="020B0403040502020204"/>
-                <a:ea typeface="Aptos" panose="020B0004020202020204" pitchFamily="34" charset="0"/>
-                <a:cs typeface="Times New Roman" panose="02020603050405020304" pitchFamily="18" charset="0"/>
-              </a:rPr>
-              <a:t>fake.company</a:t>
-            </a:r>
-            <a:r>
-              <a:rPr lang="en-US" sz="3200" kern="100" dirty="0">
-                <a:solidFill>
-                  <a:srgbClr val="CF3338"/>
-                </a:solidFill>
-                <a:effectLst/>
-                <a:latin typeface="Pragmatica" panose="020B0403040502020204"/>
-                <a:ea typeface="Aptos" panose="020B0004020202020204" pitchFamily="34" charset="0"/>
-                <a:cs typeface="Times New Roman" panose="02020603050405020304" pitchFamily="18" charset="0"/>
-              </a:rPr>
-              <a:t>())</a:t>
-            </a:r>
-          </a:p>
-          <a:p>
-            <a:pPr marL="742950" marR="0" lvl="1" indent="-285750">
-              <a:lnSpc>
-                <a:spcPct val="115000"/>
-              </a:lnSpc>
-              <a:spcBef>
-                <a:spcPts val="0"/>
-              </a:spcBef>
-              <a:spcAft>
-                <a:spcPts val="0"/>
-              </a:spcAft>
-              <a:buFont typeface="+mj-lt"/>
-              <a:buAutoNum type="alphaLcPeriod"/>
-            </a:pPr>
-            <a:r>
-              <a:rPr lang="en-US" sz="3200" kern="100" dirty="0">
-                <a:solidFill>
-                  <a:srgbClr val="CF3338"/>
-                </a:solidFill>
-                <a:effectLst/>
-                <a:latin typeface="Pragmatica" panose="020B0403040502020204"/>
-                <a:ea typeface="Aptos" panose="020B0004020202020204" pitchFamily="34" charset="0"/>
-                <a:cs typeface="Times New Roman" panose="02020603050405020304" pitchFamily="18" charset="0"/>
-              </a:rPr>
-              <a:t>Credit card number (</a:t>
-            </a:r>
-            <a:r>
-              <a:rPr lang="en-US" sz="3200" kern="100" dirty="0" err="1">
-                <a:solidFill>
-                  <a:srgbClr val="CF3338"/>
-                </a:solidFill>
-                <a:effectLst/>
-                <a:latin typeface="Pragmatica" panose="020B0403040502020204"/>
-                <a:ea typeface="Aptos" panose="020B0004020202020204" pitchFamily="34" charset="0"/>
-                <a:cs typeface="Times New Roman" panose="02020603050405020304" pitchFamily="18" charset="0"/>
-              </a:rPr>
-              <a:t>fake.credit_card_number</a:t>
-            </a:r>
-            <a:r>
-              <a:rPr lang="en-US" sz="3200" kern="100" dirty="0">
-                <a:solidFill>
-                  <a:srgbClr val="CF3338"/>
-                </a:solidFill>
-                <a:effectLst/>
-                <a:latin typeface="Pragmatica" panose="020B0403040502020204"/>
-                <a:ea typeface="Aptos" panose="020B0004020202020204" pitchFamily="34" charset="0"/>
-                <a:cs typeface="Times New Roman" panose="02020603050405020304" pitchFamily="18" charset="0"/>
-              </a:rPr>
-              <a:t>())</a:t>
-            </a:r>
-          </a:p>
-          <a:p>
-            <a:pPr marL="742950" marR="0" lvl="1" indent="-285750">
-              <a:lnSpc>
-                <a:spcPct val="115000"/>
-              </a:lnSpc>
-              <a:spcBef>
-                <a:spcPts val="0"/>
-              </a:spcBef>
-              <a:spcAft>
-                <a:spcPts val="800"/>
-              </a:spcAft>
-              <a:buFont typeface="+mj-lt"/>
-              <a:buAutoNum type="alphaLcPeriod"/>
-            </a:pPr>
-            <a:r>
-              <a:rPr lang="en-US" sz="3200" kern="100" dirty="0">
-                <a:solidFill>
-                  <a:srgbClr val="CF3338"/>
-                </a:solidFill>
-                <a:effectLst/>
-                <a:latin typeface="Pragmatica" panose="020B0403040502020204"/>
-                <a:ea typeface="Aptos" panose="020B0004020202020204" pitchFamily="34" charset="0"/>
-                <a:cs typeface="Times New Roman" panose="02020603050405020304" pitchFamily="18" charset="0"/>
-              </a:rPr>
-              <a:t>Job (</a:t>
-            </a:r>
-            <a:r>
-              <a:rPr lang="en-US" sz="3200" kern="100" dirty="0" err="1">
-                <a:solidFill>
-                  <a:srgbClr val="CF3338"/>
-                </a:solidFill>
-                <a:effectLst/>
-                <a:latin typeface="Pragmatica" panose="020B0403040502020204"/>
-                <a:ea typeface="Aptos" panose="020B0004020202020204" pitchFamily="34" charset="0"/>
-                <a:cs typeface="Times New Roman" panose="02020603050405020304" pitchFamily="18" charset="0"/>
-              </a:rPr>
-              <a:t>fake.job</a:t>
-            </a:r>
-            <a:r>
-              <a:rPr lang="en-US" sz="3200" kern="100" dirty="0">
-                <a:solidFill>
-                  <a:srgbClr val="CF3338"/>
-                </a:solidFill>
-                <a:effectLst/>
-                <a:latin typeface="Pragmatica" panose="020B0403040502020204"/>
-                <a:ea typeface="Aptos" panose="020B0004020202020204" pitchFamily="34" charset="0"/>
-                <a:cs typeface="Times New Roman" panose="02020603050405020304" pitchFamily="18" charset="0"/>
-              </a:rPr>
-              <a:t>())</a:t>
-            </a:r>
+              <a:t>Create a monthly email/post to Teams based on data in a workbook</a:t>
+            </a:r>
+            <a:endParaRPr lang="en-US" sz="3200" kern="100" dirty="0">
+              <a:solidFill>
+                <a:srgbClr val="CF3338"/>
+              </a:solidFill>
+              <a:effectLst/>
+              <a:latin typeface="Pragmatica" panose="020B0403040502020204"/>
+              <a:ea typeface="Aptos" panose="020B0004020202020204" pitchFamily="34" charset="0"/>
+              <a:cs typeface="Times New Roman" panose="02020603050405020304" pitchFamily="18" charset="0"/>
+            </a:endParaRPr>
           </a:p>
           <a:p>
             <a:pPr marL="142875">
@@ -8265,21 +5203,37 @@
                 <a:latin typeface="Consolas" panose="020B0609020204030204" pitchFamily="49" charset="0"/>
                 <a:sym typeface="Consolas"/>
               </a:rPr>
-              <a:t>monte-carlo-demos.xlsx</a:t>
+              <a:t>power-automate-copilot.xlsx</a:t>
+            </a:r>
+          </a:p>
+          <a:p>
+            <a:pPr marL="142875">
+              <a:lnSpc>
+                <a:spcPct val="115000"/>
+              </a:lnSpc>
+              <a:spcBef>
+                <a:spcPts val="1125"/>
+              </a:spcBef>
+              <a:buClr>
+                <a:srgbClr val="C00000"/>
+              </a:buClr>
+              <a:buSzPts val="2100"/>
+            </a:pPr>
+            <a:r>
+              <a:rPr lang="en-US" sz="3600" dirty="0">
+                <a:solidFill>
+                  <a:srgbClr val="C00000"/>
+                </a:solidFill>
+                <a:latin typeface="Pragmatica" panose="020B0403040502020204"/>
+                <a:sym typeface="Consolas"/>
+              </a:rPr>
+              <a:t>Resource: https://stringfestanalytics.com/power-automate-for-excel-how-to-build-flows-with-copilot/</a:t>
             </a:r>
             <a:endParaRPr lang="en-US" sz="6000" dirty="0">
               <a:solidFill>
                 <a:srgbClr val="CF3338"/>
               </a:solidFill>
-              <a:latin typeface="Consolas" panose="020B0609020204030204" pitchFamily="49" charset="0"/>
-            </a:endParaRPr>
-          </a:p>
-          <a:p>
-            <a:endParaRPr lang="en-US" sz="6000" dirty="0">
-              <a:solidFill>
-                <a:srgbClr val="CF3338"/>
-              </a:solidFill>
-              <a:latin typeface="Pragmatica" panose="020B0403040502020204" pitchFamily="34" charset="0"/>
+              <a:latin typeface="Pragmatica" panose="020B0403040502020204"/>
             </a:endParaRPr>
           </a:p>
         </p:txBody>
@@ -8287,7 +5241,7 @@
     </p:spTree>
     <p:extLst>
       <p:ext uri="{BB962C8B-B14F-4D97-AF65-F5344CB8AC3E}">
-        <p14:creationId xmlns:p14="http://schemas.microsoft.com/office/powerpoint/2010/main" val="1679221718"/>
+        <p14:creationId xmlns:p14="http://schemas.microsoft.com/office/powerpoint/2010/main" val="445953425"/>
       </p:ext>
     </p:extLst>
   </p:cSld>
@@ -8297,7 +5251,7 @@
 </p:sld>
 </file>
 
-<file path=ppt/slides/slide8.xml><?xml version="1.0" encoding="utf-8"?>
+<file path=ppt/slides/slide7.xml><?xml version="1.0" encoding="utf-8"?>
 <p:sld xmlns:a="http://schemas.openxmlformats.org/drawingml/2006/main" xmlns:r="http://schemas.openxmlformats.org/officeDocument/2006/relationships" xmlns:p="http://schemas.openxmlformats.org/presentationml/2006/main">
   <p:cSld>
     <p:spTree>
@@ -8455,12 +5409,18 @@
 </p:sld>
 </file>
 
-<file path=ppt/slides/slide9.xml><?xml version="1.0" encoding="utf-8"?>
+<file path=ppt/slides/slide8.xml><?xml version="1.0" encoding="utf-8"?>
 <p:sld xmlns:a="http://schemas.openxmlformats.org/drawingml/2006/main" xmlns:r="http://schemas.openxmlformats.org/officeDocument/2006/relationships" xmlns:p="http://schemas.openxmlformats.org/presentationml/2006/main">
   <p:cSld>
     <p:spTree>
       <p:nvGrpSpPr>
-        <p:cNvPr id="1" name=""/>
+        <p:cNvPr id="1" name="">
+          <a:extLst>
+            <a:ext uri="{FF2B5EF4-FFF2-40B4-BE49-F238E27FC236}">
+              <a16:creationId xmlns:a16="http://schemas.microsoft.com/office/drawing/2014/main" id="{E85323C9-D5F7-C820-78B9-E169BDF2311C}"/>
+            </a:ext>
+          </a:extLst>
+        </p:cNvPr>
         <p:cNvGrpSpPr/>
         <p:nvPr/>
       </p:nvGrpSpPr>
@@ -8474,7 +5434,13 @@
       </p:grpSpPr>
       <p:sp>
         <p:nvSpPr>
-          <p:cNvPr id="4" name="Rectangle 3"/>
+          <p:cNvPr id="4" name="Rectangle 3">
+            <a:extLst>
+              <a:ext uri="{FF2B5EF4-FFF2-40B4-BE49-F238E27FC236}">
+                <a16:creationId xmlns:a16="http://schemas.microsoft.com/office/drawing/2014/main" id="{28971779-1F50-1702-DEC1-87CD482189F0}"/>
+              </a:ext>
+            </a:extLst>
+          </p:cNvPr>
           <p:cNvSpPr/>
           <p:nvPr/>
         </p:nvSpPr>
@@ -8520,14 +5486,20 @@
       </p:sp>
       <p:sp>
         <p:nvSpPr>
-          <p:cNvPr id="5" name="TextBox 4"/>
+          <p:cNvPr id="5" name="TextBox 4">
+            <a:extLst>
+              <a:ext uri="{FF2B5EF4-FFF2-40B4-BE49-F238E27FC236}">
+                <a16:creationId xmlns:a16="http://schemas.microsoft.com/office/drawing/2014/main" id="{5ECC4C7B-C529-5329-03AC-796804551DC1}"/>
+              </a:ext>
+            </a:extLst>
+          </p:cNvPr>
           <p:cNvSpPr txBox="1"/>
           <p:nvPr/>
         </p:nvSpPr>
         <p:spPr>
           <a:xfrm>
             <a:off x="781292" y="590309"/>
-            <a:ext cx="15486926" cy="3139321"/>
+            <a:ext cx="15486926" cy="1615827"/>
           </a:xfrm>
           <a:prstGeom prst="rect">
             <a:avLst/>
@@ -8547,7 +5519,7 @@
                 </a:solidFill>
                 <a:latin typeface="Normafixed Tryout" panose="00000409000000000000" pitchFamily="49" charset="0"/>
               </a:rPr>
-              <a:t>2. Monte Carlo simulation with Python in Excel</a:t>
+              <a:t>Thank you</a:t>
             </a:r>
           </a:p>
         </p:txBody>
@@ -8555,7 +5527,7 @@
     </p:spTree>
     <p:extLst>
       <p:ext uri="{BB962C8B-B14F-4D97-AF65-F5344CB8AC3E}">
-        <p14:creationId xmlns:p14="http://schemas.microsoft.com/office/powerpoint/2010/main" val="2491588467"/>
+        <p14:creationId xmlns:p14="http://schemas.microsoft.com/office/powerpoint/2010/main" val="657829062"/>
       </p:ext>
     </p:extLst>
   </p:cSld>
